--- a/assets/courses/malware/spring2017/slides/week02/x86.pptx
+++ b/assets/courses/malware/spring2017/slides/week02/x86.pptx
@@ -37,16 +37,16 @@
     <p:sldId id="332" r:id="rId25"/>
     <p:sldId id="333" r:id="rId26"/>
     <p:sldId id="334" r:id="rId27"/>
-    <p:sldId id="377" r:id="rId28"/>
-    <p:sldId id="336" r:id="rId29"/>
-    <p:sldId id="337" r:id="rId30"/>
-    <p:sldId id="338" r:id="rId31"/>
-    <p:sldId id="339" r:id="rId32"/>
-    <p:sldId id="279" r:id="rId33"/>
-    <p:sldId id="340" r:id="rId34"/>
-    <p:sldId id="341" r:id="rId35"/>
-    <p:sldId id="342" r:id="rId36"/>
-    <p:sldId id="343" r:id="rId37"/>
+    <p:sldId id="336" r:id="rId28"/>
+    <p:sldId id="337" r:id="rId29"/>
+    <p:sldId id="338" r:id="rId30"/>
+    <p:sldId id="339" r:id="rId31"/>
+    <p:sldId id="279" r:id="rId32"/>
+    <p:sldId id="340" r:id="rId33"/>
+    <p:sldId id="341" r:id="rId34"/>
+    <p:sldId id="342" r:id="rId35"/>
+    <p:sldId id="343" r:id="rId36"/>
+    <p:sldId id="377" r:id="rId37"/>
     <p:sldId id="344" r:id="rId38"/>
     <p:sldId id="359" r:id="rId39"/>
     <p:sldId id="364" r:id="rId40"/>
@@ -2773,7 +2773,7 @@
                 <a:cs typeface="Arial" charset="0"/>
               </a:rPr>
               <a:pPr/>
-              <a:t>27</a:t>
+              <a:t>26</a:t>
             </a:fld>
             <a:endParaRPr lang="en-US">
               <a:latin typeface="Times New Roman" charset="0"/>
@@ -2870,7 +2870,7 @@
                 <a:cs typeface="Arial" charset="0"/>
               </a:rPr>
               <a:pPr/>
-              <a:t>28</a:t>
+              <a:t>27</a:t>
             </a:fld>
             <a:endParaRPr lang="en-US">
               <a:latin typeface="Times New Roman" charset="0"/>
@@ -2967,7 +2967,7 @@
                 <a:cs typeface="Arial" charset="0"/>
               </a:rPr>
               <a:pPr/>
-              <a:t>29</a:t>
+              <a:t>28</a:t>
             </a:fld>
             <a:endParaRPr lang="en-US">
               <a:latin typeface="Times New Roman" charset="0"/>
@@ -3067,7 +3067,7 @@
                 <a:cs typeface="Arial" charset="0"/>
               </a:rPr>
               <a:pPr/>
-              <a:t>30</a:t>
+              <a:t>29</a:t>
             </a:fld>
             <a:endParaRPr lang="en-US">
               <a:latin typeface="Times New Roman" charset="0"/>
@@ -3272,7 +3272,7 @@
                 <a:cs typeface="Arial" charset="0"/>
               </a:rPr>
               <a:pPr/>
-              <a:t>31</a:t>
+              <a:t>30</a:t>
             </a:fld>
             <a:endParaRPr lang="en-US">
               <a:latin typeface="Times New Roman" charset="0"/>
@@ -3372,7 +3372,7 @@
                 <a:cs typeface="Arial" charset="0"/>
               </a:rPr>
               <a:pPr/>
-              <a:t>32</a:t>
+              <a:t>31</a:t>
             </a:fld>
             <a:endParaRPr lang="en-US">
               <a:latin typeface="Times New Roman" charset="0"/>
@@ -3472,7 +3472,7 @@
                 <a:cs typeface="Arial" charset="0"/>
               </a:rPr>
               <a:pPr/>
-              <a:t>33</a:t>
+              <a:t>32</a:t>
             </a:fld>
             <a:endParaRPr lang="en-US">
               <a:latin typeface="Times New Roman" charset="0"/>
@@ -3584,7 +3584,7 @@
                 <a:cs typeface="Arial" charset="0"/>
               </a:rPr>
               <a:pPr/>
-              <a:t>34</a:t>
+              <a:t>33</a:t>
             </a:fld>
             <a:endParaRPr lang="en-US">
               <a:latin typeface="Times New Roman" charset="0"/>
@@ -3696,7 +3696,7 @@
                 <a:cs typeface="Arial" charset="0"/>
               </a:rPr>
               <a:pPr/>
-              <a:t>35</a:t>
+              <a:t>34</a:t>
             </a:fld>
             <a:endParaRPr lang="en-US">
               <a:latin typeface="Times New Roman" charset="0"/>
@@ -8518,7 +8518,7 @@
             <a:fld id="{ACDF6120-F1F0-4C60-9FE9-39AC71A9C79D}" type="datetimeFigureOut">
               <a:rPr lang="en-US" smtClean="0"/>
               <a:pPr/>
-              <a:t>2/1/17</a:t>
+              <a:t>2/8/17</a:t>
             </a:fld>
             <a:endParaRPr lang="en-US" sz="1600" dirty="0"/>
           </a:p>
@@ -8833,7 +8833,7 @@
             <a:fld id="{ACDF6120-F1F0-4C60-9FE9-39AC71A9C79D}" type="datetimeFigureOut">
               <a:rPr lang="en-US" smtClean="0"/>
               <a:pPr/>
-              <a:t>2/1/17</a:t>
+              <a:t>2/8/17</a:t>
             </a:fld>
             <a:endParaRPr lang="en-US" dirty="0"/>
           </a:p>
@@ -9109,7 +9109,7 @@
             <a:fld id="{ACDF6120-F1F0-4C60-9FE9-39AC71A9C79D}" type="datetimeFigureOut">
               <a:rPr lang="en-US" smtClean="0"/>
               <a:pPr/>
-              <a:t>2/1/17</a:t>
+              <a:t>2/8/17</a:t>
             </a:fld>
             <a:endParaRPr lang="en-US" dirty="0"/>
           </a:p>
@@ -9336,7 +9336,7 @@
             <a:fld id="{ACDF6120-F1F0-4C60-9FE9-39AC71A9C79D}" type="datetimeFigureOut">
               <a:rPr lang="en-US" smtClean="0"/>
               <a:pPr/>
-              <a:t>2/1/17</a:t>
+              <a:t>2/8/17</a:t>
             </a:fld>
             <a:endParaRPr lang="en-US"/>
           </a:p>
@@ -9695,7 +9695,7 @@
             <a:fld id="{ACDF6120-F1F0-4C60-9FE9-39AC71A9C79D}" type="datetimeFigureOut">
               <a:rPr lang="en-US" smtClean="0"/>
               <a:pPr/>
-              <a:t>2/1/17</a:t>
+              <a:t>2/8/17</a:t>
             </a:fld>
             <a:endParaRPr lang="en-US"/>
           </a:p>
@@ -9934,7 +9934,7 @@
             <a:fld id="{ACDF6120-F1F0-4C60-9FE9-39AC71A9C79D}" type="datetimeFigureOut">
               <a:rPr lang="en-US" smtClean="0"/>
               <a:pPr/>
-              <a:t>2/1/17</a:t>
+              <a:t>2/8/17</a:t>
             </a:fld>
             <a:endParaRPr lang="en-US"/>
           </a:p>
@@ -10081,7 +10081,7 @@
             <a:fld id="{ACDF6120-F1F0-4C60-9FE9-39AC71A9C79D}" type="datetimeFigureOut">
               <a:rPr lang="en-US" smtClean="0"/>
               <a:pPr/>
-              <a:t>2/1/17</a:t>
+              <a:t>2/8/17</a:t>
             </a:fld>
             <a:endParaRPr lang="en-US"/>
           </a:p>
@@ -10500,7 +10500,7 @@
             <a:fld id="{ACDF6120-F1F0-4C60-9FE9-39AC71A9C79D}" type="datetimeFigureOut">
               <a:rPr lang="en-US" smtClean="0"/>
               <a:pPr/>
-              <a:t>2/1/17</a:t>
+              <a:t>2/8/17</a:t>
             </a:fld>
             <a:endParaRPr lang="en-US"/>
           </a:p>
@@ -10914,7 +10914,7 @@
             <a:fld id="{ACDF6120-F1F0-4C60-9FE9-39AC71A9C79D}" type="datetimeFigureOut">
               <a:rPr lang="en-US" smtClean="0"/>
               <a:pPr/>
-              <a:t>2/1/17</a:t>
+              <a:t>2/8/17</a:t>
             </a:fld>
             <a:endParaRPr lang="en-US"/>
           </a:p>
@@ -11218,7 +11218,7 @@
             <a:fld id="{ACDF6120-F1F0-4C60-9FE9-39AC71A9C79D}" type="datetimeFigureOut">
               <a:rPr lang="en-US" smtClean="0"/>
               <a:pPr/>
-              <a:t>2/1/17</a:t>
+              <a:t>2/8/17</a:t>
             </a:fld>
             <a:endParaRPr lang="en-US"/>
           </a:p>
@@ -11400,7 +11400,7 @@
             <a:fld id="{ACDF6120-F1F0-4C60-9FE9-39AC71A9C79D}" type="datetimeFigureOut">
               <a:rPr lang="en-US" smtClean="0"/>
               <a:pPr/>
-              <a:t>2/1/17</a:t>
+              <a:t>2/8/17</a:t>
             </a:fld>
             <a:endParaRPr lang="en-US"/>
           </a:p>
@@ -15529,7 +15529,7 @@
             <a:fld id="{ACDF6120-F1F0-4C60-9FE9-39AC71A9C79D}" type="datetimeFigureOut">
               <a:rPr lang="en-US" smtClean="0"/>
               <a:pPr/>
-              <a:t>2/1/17</a:t>
+              <a:t>2/8/17</a:t>
             </a:fld>
             <a:endParaRPr lang="en-US" sz="1400" dirty="0">
               <a:solidFill>
@@ -16405,7 +16405,31 @@
               <a:rPr lang="en-US" sz="2000" b="1" dirty="0">
                 <a:latin typeface="Courier New" charset="0"/>
               </a:rPr>
-              <a:t>ret       ; pop return address off stack, then 			  ; jump to it</a:t>
+              <a:t>ret       ; pop return address off stack, then 	</a:t>
+            </a:r>
+            <a:r>
+              <a:rPr lang="en-US" sz="2000" b="1" dirty="0">
+                <a:latin typeface="Courier New" charset="0"/>
+              </a:rPr>
+              <a:t> </a:t>
+            </a:r>
+            <a:r>
+              <a:rPr lang="en-US" sz="2000" b="1" dirty="0" smtClean="0">
+                <a:latin typeface="Courier New" charset="0"/>
+              </a:rPr>
+              <a:t>       </a:t>
+            </a:r>
+            <a:r>
+              <a:rPr lang="en-US" sz="2000" b="1" dirty="0" smtClean="0">
+                <a:latin typeface="Courier New" charset="0"/>
+              </a:rPr>
+              <a:t>; </a:t>
+            </a:r>
+            <a:r>
+              <a:rPr lang="en-US" sz="2000" b="1" dirty="0">
+                <a:latin typeface="Courier New" charset="0"/>
+              </a:rPr>
+              <a:t>jump to it</a:t>
             </a:r>
           </a:p>
           <a:p>
@@ -16765,7 +16789,7 @@
           <a:graphicData uri="http://schemas.openxmlformats.org/presentationml/2006/ole">
             <mc:AlternateContent xmlns:mc="http://schemas.openxmlformats.org/markup-compatibility/2006">
               <mc:Choice xmlns:v="urn:schemas-microsoft-com:vml" Requires="v">
-                <p:oleObj spid="_x0000_s38937" name="Visio" r:id="rId7" imgW="2898648" imgH="3802075" progId="">
+                <p:oleObj spid="_x0000_s38943" name="Visio" r:id="rId7" imgW="2898648" imgH="3802075" progId="">
                   <p:embed/>
                 </p:oleObj>
               </mc:Choice>
@@ -16998,7 +17022,7 @@
           <a:graphicData uri="http://schemas.openxmlformats.org/presentationml/2006/ole">
             <mc:AlternateContent xmlns:mc="http://schemas.openxmlformats.org/markup-compatibility/2006">
               <mc:Choice xmlns:v="urn:schemas-microsoft-com:vml" Requires="v">
-                <p:oleObj spid="_x0000_s40985" name="Visio" r:id="rId7" imgW="2898648" imgH="4030675" progId="">
+                <p:oleObj spid="_x0000_s40991" name="Visio" r:id="rId7" imgW="2898648" imgH="4030675" progId="">
                   <p:embed/>
                 </p:oleObj>
               </mc:Choice>
@@ -17231,7 +17255,7 @@
           <a:graphicData uri="http://schemas.openxmlformats.org/presentationml/2006/ole">
             <mc:AlternateContent xmlns:mc="http://schemas.openxmlformats.org/markup-compatibility/2006">
               <mc:Choice xmlns:v="urn:schemas-microsoft-com:vml" Requires="v">
-                <p:oleObj spid="_x0000_s43033" name="Visio" r:id="rId7" imgW="2898648" imgH="4259275" progId="">
+                <p:oleObj spid="_x0000_s43039" name="Visio" r:id="rId7" imgW="2898648" imgH="4259275" progId="">
                   <p:embed/>
                 </p:oleObj>
               </mc:Choice>
@@ -17464,7 +17488,7 @@
           <a:graphicData uri="http://schemas.openxmlformats.org/presentationml/2006/ole">
             <mc:AlternateContent xmlns:mc="http://schemas.openxmlformats.org/markup-compatibility/2006">
               <mc:Choice xmlns:v="urn:schemas-microsoft-com:vml" Requires="v">
-                <p:oleObj spid="_x0000_s45081" name="Visio" r:id="rId7" imgW="3127248" imgH="4373575" progId="">
+                <p:oleObj spid="_x0000_s45087" name="Visio" r:id="rId7" imgW="3127248" imgH="4373575" progId="">
                   <p:embed/>
                 </p:oleObj>
               </mc:Choice>
@@ -17725,8 +17749,11 @@
               <a:rPr lang="en-US" sz="2800" dirty="0">
                 <a:latin typeface="Lucida Sans" pitchFamily="34" charset="0"/>
               </a:rPr>
-              <a:t> among software designers (e.g. of compilers, compiler libraries, assembly language programmers) on how to use registers and memory in subroutines</a:t>
-            </a:r>
+              <a:t> among software designers </a:t>
+            </a:r>
+            <a:endParaRPr lang="en-US" sz="2800" dirty="0" smtClean="0">
+              <a:latin typeface="Lucida Sans" pitchFamily="34" charset="0"/>
+            </a:endParaRPr>
           </a:p>
           <a:p>
             <a:pPr marL="807720" lvl="1" indent="-533400">
@@ -17735,18 +17762,37 @@
               </a:lnSpc>
             </a:pPr>
             <a:r>
+              <a:rPr lang="en-US" sz="2500" dirty="0" smtClean="0">
+                <a:latin typeface="Lucida Sans" pitchFamily="34" charset="0"/>
+              </a:rPr>
+              <a:t>(</a:t>
+            </a:r>
+            <a:r>
               <a:rPr lang="en-US" sz="2500" dirty="0">
                 <a:latin typeface="Lucida Sans" pitchFamily="34" charset="0"/>
               </a:rPr>
+              <a:t>e.g. of compilers, compiler libraries, assembly language programmers) on how to use registers and memory in subroutines</a:t>
+            </a:r>
+          </a:p>
+          <a:p>
+            <a:pPr marL="807720" lvl="1" indent="-533400">
+              <a:lnSpc>
+                <a:spcPct val="80000"/>
+              </a:lnSpc>
+            </a:pPr>
+            <a:r>
+              <a:rPr lang="en-US" sz="2800" dirty="0">
+                <a:latin typeface="Lucida Sans" pitchFamily="34" charset="0"/>
+              </a:rPr>
               <a:t>NOT enforced by </a:t>
             </a:r>
             <a:r>
-              <a:rPr lang="en-US" sz="2500" dirty="0" smtClean="0">
+              <a:rPr lang="en-US" sz="2800" dirty="0" smtClean="0">
                 <a:latin typeface="Lucida Sans" pitchFamily="34" charset="0"/>
               </a:rPr>
               <a:t>hardware!</a:t>
             </a:r>
-            <a:endParaRPr lang="en-US" sz="2500" dirty="0">
+            <a:endParaRPr lang="en-US" sz="2800" dirty="0">
               <a:latin typeface="Lucida Sans" pitchFamily="34" charset="0"/>
             </a:endParaRPr>
           </a:p>
@@ -17773,13 +17819,13 @@
               </a:lnSpc>
             </a:pPr>
             <a:r>
-              <a:rPr lang="en-US" sz="2500" dirty="0" smtClean="0">
+              <a:rPr lang="en-US" sz="2800" dirty="0" smtClean="0">
                 <a:latin typeface="Lucida Sans" pitchFamily="34" charset="0"/>
               </a:rPr>
               <a:t>e.g</a:t>
             </a:r>
             <a:r>
-              <a:rPr lang="en-US" sz="2500" dirty="0">
+              <a:rPr lang="en-US" sz="2800" dirty="0">
                 <a:latin typeface="Lucida Sans" pitchFamily="34" charset="0"/>
               </a:rPr>
               <a:t>. a C function can call an ASM function, and vice versa</a:t>
@@ -18370,7 +18416,7 @@
         <p:spPr bwMode="auto">
           <a:xfrm>
             <a:off x="304800" y="1447800"/>
-            <a:ext cx="8458200" cy="3508375"/>
+            <a:ext cx="8458200" cy="3970318"/>
           </a:xfrm>
           <a:prstGeom prst="rect">
             <a:avLst/>
@@ -18506,7 +18552,16 @@
                 </a:solidFill>
                 <a:latin typeface="Courier New" charset="0"/>
               </a:rPr>
-              <a:t>Printf</a:t>
+              <a:t>p</a:t>
+            </a:r>
+            <a:r>
+              <a:rPr lang="en-US" sz="2800" b="1" dirty="0" err="1" smtClean="0">
+                <a:solidFill>
+                  <a:schemeClr val="tx1"/>
+                </a:solidFill>
+                <a:latin typeface="Courier New" charset="0"/>
+              </a:rPr>
+              <a:t>rintf</a:t>
             </a:r>
             <a:r>
               <a:rPr lang="en-US" sz="2800" b="1" dirty="0">
@@ -18523,7 +18578,67 @@
                   <a:schemeClr val="tx1"/>
                 </a:solidFill>
               </a:rPr>
-              <a:t> library function reads first parameter, then determines that the number of remaining parameters is 3</a:t>
+              <a:t> library function </a:t>
+            </a:r>
+            <a:endParaRPr lang="en-US" sz="2800" dirty="0" smtClean="0">
+              <a:solidFill>
+                <a:schemeClr val="tx1"/>
+              </a:solidFill>
+            </a:endParaRPr>
+          </a:p>
+          <a:p>
+            <a:pPr marL="914400" lvl="1" indent="-457200" eaLnBrk="0" hangingPunct="0">
+              <a:buClr>
+                <a:schemeClr val="accent2"/>
+              </a:buClr>
+              <a:buFont typeface="Wingdings" charset="2"/>
+              <a:buChar char="§"/>
+            </a:pPr>
+            <a:r>
+              <a:rPr lang="en-US" sz="2800" dirty="0" smtClean="0">
+                <a:solidFill>
+                  <a:schemeClr val="tx1"/>
+                </a:solidFill>
+              </a:rPr>
+              <a:t>reads </a:t>
+            </a:r>
+            <a:r>
+              <a:rPr lang="en-US" sz="2800" dirty="0">
+                <a:solidFill>
+                  <a:schemeClr val="tx1"/>
+                </a:solidFill>
+              </a:rPr>
+              <a:t>first parameter, then </a:t>
+            </a:r>
+            <a:endParaRPr lang="en-US" sz="2800" dirty="0" smtClean="0">
+              <a:solidFill>
+                <a:schemeClr val="tx1"/>
+              </a:solidFill>
+            </a:endParaRPr>
+          </a:p>
+          <a:p>
+            <a:pPr marL="914400" lvl="1" indent="-457200" eaLnBrk="0" hangingPunct="0">
+              <a:buClr>
+                <a:schemeClr val="accent2"/>
+              </a:buClr>
+              <a:buFont typeface="Wingdings" charset="2"/>
+              <a:buChar char="§"/>
+            </a:pPr>
+            <a:r>
+              <a:rPr lang="en-US" sz="2800" dirty="0" smtClean="0">
+                <a:solidFill>
+                  <a:schemeClr val="tx1"/>
+                </a:solidFill>
+              </a:rPr>
+              <a:t>determines </a:t>
+            </a:r>
+            <a:r>
+              <a:rPr lang="en-US" sz="2800" dirty="0">
+                <a:solidFill>
+                  <a:schemeClr val="tx1"/>
+                </a:solidFill>
+              </a:rPr>
+              <a:t>that the number of remaining parameters is 3</a:t>
             </a:r>
           </a:p>
         </p:txBody>
@@ -18828,7 +18943,7 @@
           <a:graphicData uri="http://schemas.openxmlformats.org/presentationml/2006/ole">
             <mc:AlternateContent xmlns:mc="http://schemas.openxmlformats.org/markup-compatibility/2006">
               <mc:Choice xmlns:v="urn:schemas-microsoft-com:vml" Requires="v">
-                <p:oleObj spid="_x0000_s55321" name="Visio" r:id="rId7" imgW="4146499" imgH="3459175" progId="">
+                <p:oleObj spid="_x0000_s55327" name="Visio" r:id="rId7" imgW="4146499" imgH="3459175" progId="">
                   <p:embed/>
                 </p:oleObj>
               </mc:Choice>
@@ -19070,7 +19185,7 @@
           <a:graphicData uri="http://schemas.openxmlformats.org/presentationml/2006/ole">
             <mc:AlternateContent xmlns:mc="http://schemas.openxmlformats.org/markup-compatibility/2006">
               <mc:Choice xmlns:v="urn:schemas-microsoft-com:vml" Requires="v">
-                <p:oleObj spid="_x0000_s57369" name="Visio" r:id="rId7" imgW="4146499" imgH="3459175" progId="">
+                <p:oleObj spid="_x0000_s57375" name="Visio" r:id="rId7" imgW="4146499" imgH="3459175" progId="">
                   <p:embed/>
                 </p:oleObj>
               </mc:Choice>
@@ -19521,7 +19636,7 @@
         </p:nvSpPr>
         <p:spPr bwMode="auto">
           <a:xfrm>
-            <a:off x="304800" y="1828800"/>
+            <a:off x="304800" y="1524000"/>
             <a:ext cx="8458200" cy="4401205"/>
           </a:xfrm>
           <a:prstGeom prst="rect">
@@ -20005,7 +20120,7 @@
           <a:graphicData uri="http://schemas.openxmlformats.org/presentationml/2006/ole">
             <mc:AlternateContent xmlns:mc="http://schemas.openxmlformats.org/markup-compatibility/2006">
               <mc:Choice xmlns:v="urn:schemas-microsoft-com:vml" Requires="v">
-                <p:oleObj spid="_x0000_s65561" name="Visio" r:id="rId7" imgW="3917899" imgH="4144975" progId="">
+                <p:oleObj spid="_x0000_s65567" name="Visio" r:id="rId7" imgW="3917899" imgH="4144975" progId="">
                   <p:embed/>
                 </p:oleObj>
               </mc:Choice>
@@ -20129,12 +20244,20 @@
               <a:buChar char="§"/>
             </a:pPr>
             <a:r>
+              <a:rPr lang="en-US" sz="2800" b="1" dirty="0">
+                <a:solidFill>
+                  <a:schemeClr val="tx1"/>
+                </a:solidFill>
+              </a:rPr>
+              <a:t>Stack frame </a:t>
+            </a:r>
+            <a:r>
               <a:rPr lang="en-US" sz="2800" dirty="0">
                 <a:solidFill>
                   <a:schemeClr val="tx1"/>
                 </a:solidFill>
               </a:rPr>
-              <a:t>Stack frame for the currently executing function is between where EBP and ESP point in the stack</a:t>
+              <a:t>for the currently executing function is between where EBP and ESP point in the stack</a:t>
             </a:r>
           </a:p>
         </p:txBody>
@@ -20173,148 +20296,178 @@
       </p:grpSpPr>
       <p:sp>
         <p:nvSpPr>
-          <p:cNvPr id="2" name="Title 1"/>
+          <p:cNvPr id="67587" name="Rectangle 2"/>
+          <p:cNvSpPr>
+            <a:spLocks noGrp="1" noChangeArrowheads="1"/>
+          </p:cNvSpPr>
+          <p:nvPr>
+            <p:ph type="title"/>
+            <p:custDataLst>
+              <p:tags r:id="rId1"/>
+            </p:custDataLst>
+          </p:nvPr>
+        </p:nvSpPr>
+        <p:spPr>
+          <a:noFill/>
+        </p:spPr>
+        <p:txBody>
+          <a:bodyPr lIns="92075" tIns="46038" rIns="92075" bIns="46038" anchor="b"/>
+          <a:lstStyle/>
+          <a:p>
+            <a:pPr eaLnBrk="1" hangingPunct="1"/>
+            <a:r>
+              <a:rPr lang="en-US"/>
+              <a:t>C Calling Convention cont.</a:t>
+            </a:r>
+          </a:p>
+        </p:txBody>
+      </p:sp>
+      <p:sp>
+        <p:nvSpPr>
+          <p:cNvPr id="67586" name="Slide Number Placeholder 2"/>
           <p:cNvSpPr>
             <a:spLocks noGrp="1"/>
           </p:cNvSpPr>
           <p:nvPr>
-            <p:ph type="title"/>
-          </p:nvPr>
-        </p:nvSpPr>
-        <p:spPr/>
+            <p:ph type="sldNum" sz="quarter" idx="12"/>
+          </p:nvPr>
+        </p:nvSpPr>
+        <p:spPr>
+          <a:noFill/>
+        </p:spPr>
         <p:txBody>
           <a:bodyPr/>
           <a:lstStyle/>
           <a:p>
-            <a:r>
-              <a:rPr lang="en-US" dirty="0" smtClean="0"/>
-              <a:t>Today</a:t>
-            </a:r>
-            <a:endParaRPr lang="en-US" dirty="0"/>
-          </a:p>
-        </p:txBody>
-      </p:sp>
-      <p:sp>
-        <p:nvSpPr>
-          <p:cNvPr id="3" name="Slide Number Placeholder 2"/>
-          <p:cNvSpPr>
-            <a:spLocks noGrp="1"/>
-          </p:cNvSpPr>
-          <p:nvPr>
-            <p:ph type="sldNum" sz="quarter" idx="12"/>
-          </p:nvPr>
-        </p:nvSpPr>
-        <p:spPr/>
-        <p:txBody>
-          <a:bodyPr/>
-          <a:lstStyle/>
-          <a:p>
-            <a:pPr>
-              <a:defRPr/>
-            </a:pPr>
-            <a:fld id="{61A4DFCD-5940-BE48-B9EB-FEDA8D565177}" type="slidenum">
-              <a:rPr lang="en-US" smtClean="0"/>
-              <a:pPr>
-                <a:defRPr/>
-              </a:pPr>
+            <a:fld id="{771DE711-A374-9444-81E6-6D6EAE965116}" type="slidenum">
+              <a:rPr lang="en-US" smtClean="0">
+                <a:latin typeface="Lucida Sans" charset="0"/>
+                <a:ea typeface="Arial" charset="0"/>
+                <a:cs typeface="Arial" charset="0"/>
+              </a:rPr>
+              <a:pPr/>
               <a:t>26</a:t>
             </a:fld>
-            <a:endParaRPr lang="en-US"/>
-          </a:p>
-        </p:txBody>
-      </p:sp>
-      <p:sp>
-        <p:nvSpPr>
-          <p:cNvPr id="4" name="Content Placeholder 3"/>
-          <p:cNvSpPr>
-            <a:spLocks noGrp="1"/>
-          </p:cNvSpPr>
-          <p:nvPr>
-            <p:ph sz="quarter" idx="1"/>
-          </p:nvPr>
-        </p:nvSpPr>
-        <p:spPr/>
-        <p:txBody>
-          <a:bodyPr/>
-          <a:lstStyle/>
-          <a:p>
-            <a:r>
-              <a:rPr lang="en-US" dirty="0" smtClean="0"/>
-              <a:t>Finish covering x86 background</a:t>
-            </a:r>
-          </a:p>
-          <a:p>
-            <a:r>
-              <a:rPr lang="en-US" dirty="0" smtClean="0"/>
-              <a:t>Reading Assignment</a:t>
-            </a:r>
-          </a:p>
-          <a:p>
-            <a:pPr lvl="1"/>
-            <a:r>
-              <a:rPr lang="en-US" dirty="0" err="1" smtClean="0"/>
-              <a:t>Szor</a:t>
-            </a:r>
-            <a:r>
-              <a:rPr lang="en-US" dirty="0" smtClean="0"/>
-              <a:t>, Chapter 2 (if you haven’t already)</a:t>
-            </a:r>
-          </a:p>
-          <a:p>
-            <a:pPr lvl="1"/>
-            <a:r>
-              <a:rPr lang="en-US" dirty="0" smtClean="0"/>
-              <a:t>“Smashing the Stack for Fun and Profit”</a:t>
-            </a:r>
-            <a:endParaRPr lang="en-US" dirty="0"/>
-          </a:p>
-          <a:p>
-            <a:r>
-              <a:rPr lang="en-US" dirty="0" smtClean="0"/>
-              <a:t>We will cover some details of the PE file format</a:t>
-            </a:r>
-          </a:p>
-          <a:p>
-            <a:pPr lvl="1" defTabSz="911225">
-              <a:tabLst>
-                <a:tab pos="623888" algn="l"/>
-              </a:tabLst>
+            <a:endParaRPr lang="en-US" smtClean="0">
+              <a:latin typeface="Lucida Sans" charset="0"/>
+              <a:ea typeface="Arial" charset="0"/>
+              <a:cs typeface="Arial" charset="0"/>
+            </a:endParaRPr>
+          </a:p>
+        </p:txBody>
+      </p:sp>
+      <p:sp>
+        <p:nvSpPr>
+          <p:cNvPr id="67588" name="Text Box 3"/>
+          <p:cNvSpPr txBox="1">
+            <a:spLocks noChangeArrowheads="1"/>
+          </p:cNvSpPr>
+          <p:nvPr>
+            <p:custDataLst>
+              <p:tags r:id="rId2"/>
+            </p:custDataLst>
+          </p:nvPr>
+        </p:nvSpPr>
+        <p:spPr bwMode="auto">
+          <a:xfrm>
+            <a:off x="304800" y="1752600"/>
+            <a:ext cx="7940675" cy="3508375"/>
+          </a:xfrm>
+          <a:prstGeom prst="rect">
+            <a:avLst/>
+          </a:prstGeom>
+          <a:noFill/>
+          <a:ln w="9525">
+            <a:noFill/>
+            <a:miter lim="800000"/>
+            <a:headEnd/>
+            <a:tailEnd/>
+          </a:ln>
+        </p:spPr>
+        <p:txBody>
+          <a:bodyPr>
+            <a:prstTxWarp prst="textNoShape">
+              <a:avLst/>
+            </a:prstTxWarp>
+            <a:spAutoFit/>
+          </a:bodyPr>
+          <a:lstStyle/>
+          <a:p>
+            <a:pPr marL="457200" indent="-457200" eaLnBrk="0" hangingPunct="0">
+              <a:buClr>
+                <a:schemeClr val="accent2"/>
+              </a:buClr>
+              <a:buFont typeface="Wingdings" charset="2"/>
+              <a:buChar char="§"/>
             </a:pPr>
             <a:r>
-              <a:rPr lang="en-US" sz="2500" dirty="0" err="1"/>
-              <a:t>Szor</a:t>
-            </a:r>
-            <a:r>
-              <a:rPr lang="en-US" sz="2500" dirty="0"/>
-              <a:t>, pp. 160-172, section 4.3.2.1, describes PE format</a:t>
-            </a:r>
-          </a:p>
-          <a:p>
-            <a:pPr lvl="1" defTabSz="911225">
-              <a:tabLst>
-                <a:tab pos="623888" algn="l"/>
-              </a:tabLst>
+              <a:rPr lang="en-US" sz="2800">
+                <a:solidFill>
+                  <a:schemeClr val="tx1"/>
+                </a:solidFill>
+              </a:rPr>
+              <a:t>Questions answered by a calling convention:</a:t>
+            </a:r>
+          </a:p>
+          <a:p>
+            <a:pPr marL="914400" lvl="1" indent="-457200" eaLnBrk="0" hangingPunct="0">
+              <a:buFontTx/>
+              <a:buAutoNum type="arabicPeriod"/>
             </a:pPr>
             <a:r>
-              <a:rPr lang="en-US" sz="2500" dirty="0"/>
-              <a:t>Pay special attention to pp. 163-165, where the fields of interest to virus creators are discussed</a:t>
-            </a:r>
-          </a:p>
-          <a:p>
-            <a:endParaRPr lang="en-US" dirty="0" smtClean="0"/>
-          </a:p>
-          <a:p>
-            <a:pPr lvl="1"/>
-            <a:endParaRPr lang="en-US" dirty="0" smtClean="0"/>
+              <a:rPr lang="en-US" sz="2800">
+                <a:solidFill>
+                  <a:schemeClr val="tx1"/>
+                </a:solidFill>
+              </a:rPr>
+              <a:t>How are parameters passed?</a:t>
+            </a:r>
+          </a:p>
+          <a:p>
+            <a:pPr marL="914400" lvl="1" indent="-457200" eaLnBrk="0" hangingPunct="0">
+              <a:buFontTx/>
+              <a:buAutoNum type="arabicPeriod"/>
+            </a:pPr>
+            <a:r>
+              <a:rPr lang="en-US" sz="2800">
+                <a:solidFill>
+                  <a:schemeClr val="tx1"/>
+                </a:solidFill>
+              </a:rPr>
+              <a:t>How are values returned?</a:t>
+            </a:r>
+          </a:p>
+          <a:p>
+            <a:pPr marL="914400" lvl="1" indent="-457200" eaLnBrk="0" hangingPunct="0">
+              <a:buFontTx/>
+              <a:buAutoNum type="arabicPeriod"/>
+            </a:pPr>
+            <a:r>
+              <a:rPr lang="en-US" sz="2800">
+                <a:solidFill>
+                  <a:schemeClr val="tx1"/>
+                </a:solidFill>
+              </a:rPr>
+              <a:t>Where are local variables stored?</a:t>
+            </a:r>
+          </a:p>
+          <a:p>
+            <a:pPr marL="914400" lvl="1" indent="-457200" eaLnBrk="0" hangingPunct="0">
+              <a:buFontTx/>
+              <a:buAutoNum type="arabicPeriod"/>
+            </a:pPr>
+            <a:r>
+              <a:rPr lang="en-US" sz="2800">
+                <a:solidFill>
+                  <a:srgbClr val="FF3300"/>
+                </a:solidFill>
+              </a:rPr>
+              <a:t>Which registers must the caller save before a call, and which registers must the callee save if it uses them?</a:t>
+            </a:r>
           </a:p>
         </p:txBody>
       </p:sp>
     </p:spTree>
-    <p:extLst>
-      <p:ext uri="{BB962C8B-B14F-4D97-AF65-F5344CB8AC3E}">
-        <p14:creationId xmlns:p14="http://schemas.microsoft.com/office/powerpoint/2010/main" val="4087111890"/>
-      </p:ext>
-    </p:extLst>
   </p:cSld>
   <p:clrMapOvr>
     <a:masterClrMapping/>
@@ -20348,7 +20501,7 @@
       </p:grpSpPr>
       <p:sp>
         <p:nvSpPr>
-          <p:cNvPr id="67587" name="Rectangle 2"/>
+          <p:cNvPr id="69635" name="Rectangle 2"/>
           <p:cNvSpPr>
             <a:spLocks noGrp="1" noChangeArrowheads="1"/>
           </p:cNvSpPr>
@@ -20369,14 +20522,14 @@
             <a:pPr eaLnBrk="1" hangingPunct="1"/>
             <a:r>
               <a:rPr lang="en-US"/>
-              <a:t>C Calling Convention cont.</a:t>
-            </a:r>
-          </a:p>
-        </p:txBody>
-      </p:sp>
-      <p:sp>
-        <p:nvSpPr>
-          <p:cNvPr id="67586" name="Slide Number Placeholder 2"/>
+              <a:t>Who Saves Which Registers?</a:t>
+            </a:r>
+          </a:p>
+        </p:txBody>
+      </p:sp>
+      <p:sp>
+        <p:nvSpPr>
+          <p:cNvPr id="69634" name="Slide Number Placeholder 2"/>
           <p:cNvSpPr>
             <a:spLocks noGrp="1"/>
           </p:cNvSpPr>
@@ -20391,7 +20544,7 @@
           <a:bodyPr/>
           <a:lstStyle/>
           <a:p>
-            <a:fld id="{771DE711-A374-9444-81E6-6D6EAE965116}" type="slidenum">
+            <a:fld id="{B8695A32-F8E9-FB4B-A686-04ABFBE1BA1F}" type="slidenum">
               <a:rPr lang="en-US" smtClean="0">
                 <a:latin typeface="Lucida Sans" charset="0"/>
                 <a:ea typeface="Arial" charset="0"/>
@@ -20410,7 +20563,7 @@
       </p:sp>
       <p:sp>
         <p:nvSpPr>
-          <p:cNvPr id="67588" name="Text Box 3"/>
+          <p:cNvPr id="69636" name="Text Box 3"/>
           <p:cNvSpPr txBox="1">
             <a:spLocks noChangeArrowheads="1"/>
           </p:cNvSpPr>
@@ -20422,8 +20575,8 @@
         </p:nvSpPr>
         <p:spPr bwMode="auto">
           <a:xfrm>
-            <a:off x="304800" y="1752600"/>
-            <a:ext cx="7940675" cy="3508375"/>
+            <a:off x="441325" y="1398587"/>
+            <a:ext cx="7940675" cy="3935413"/>
           </a:xfrm>
           <a:prstGeom prst="rect">
             <a:avLst/>
@@ -20453,69 +20606,117 @@
               <a:buChar char="§"/>
             </a:pPr>
             <a:r>
-              <a:rPr lang="en-US" sz="2800">
+              <a:rPr lang="en-US" sz="2800" dirty="0">
                 <a:solidFill>
                   <a:schemeClr val="tx1"/>
                 </a:solidFill>
               </a:rPr>
-              <a:t>Questions answered by a calling convention:</a:t>
-            </a:r>
-          </a:p>
-          <a:p>
-            <a:pPr marL="914400" lvl="1" indent="-457200" eaLnBrk="0" hangingPunct="0">
-              <a:buFontTx/>
-              <a:buAutoNum type="arabicPeriod"/>
-            </a:pPr>
-            <a:r>
-              <a:rPr lang="en-US" sz="2800">
+              <a:t>It is efficient to have the caller save some registers before the call, leaving others for the </a:t>
+            </a:r>
+            <a:r>
+              <a:rPr lang="en-US" sz="2800" dirty="0" err="1">
                 <a:solidFill>
                   <a:schemeClr val="tx1"/>
                 </a:solidFill>
               </a:rPr>
-              <a:t>How are parameters passed?</a:t>
-            </a:r>
-          </a:p>
-          <a:p>
-            <a:pPr marL="914400" lvl="1" indent="-457200" eaLnBrk="0" hangingPunct="0">
-              <a:buFontTx/>
-              <a:buAutoNum type="arabicPeriod"/>
-            </a:pPr>
-            <a:r>
-              <a:rPr lang="en-US" sz="2800">
+              <a:t>callee</a:t>
+            </a:r>
+            <a:r>
+              <a:rPr lang="en-US" sz="2800" dirty="0">
                 <a:solidFill>
                   <a:schemeClr val="tx1"/>
                 </a:solidFill>
               </a:rPr>
-              <a:t>How are values returned?</a:t>
-            </a:r>
-          </a:p>
-          <a:p>
-            <a:pPr marL="914400" lvl="1" indent="-457200" eaLnBrk="0" hangingPunct="0">
-              <a:buFontTx/>
-              <a:buAutoNum type="arabicPeriod"/>
+              <a:t> to save</a:t>
+            </a:r>
+          </a:p>
+          <a:p>
+            <a:pPr marL="457200" indent="-457200" eaLnBrk="0" hangingPunct="0">
+              <a:buClr>
+                <a:schemeClr val="accent2"/>
+              </a:buClr>
+              <a:buFont typeface="Wingdings" charset="2"/>
+              <a:buChar char="§"/>
             </a:pPr>
             <a:r>
-              <a:rPr lang="en-US" sz="2800">
+              <a:rPr lang="en-US" sz="2800" dirty="0">
                 <a:solidFill>
                   <a:schemeClr val="tx1"/>
                 </a:solidFill>
               </a:rPr>
-              <a:t>Where are local variables stored?</a:t>
-            </a:r>
-          </a:p>
-          <a:p>
-            <a:pPr marL="914400" lvl="1" indent="-457200" eaLnBrk="0" hangingPunct="0">
-              <a:buFontTx/>
-              <a:buAutoNum type="arabicPeriod"/>
+              <a:t>x86 only has 8 general registers; 2 are used for the stack frame (ESP and EBP)</a:t>
+            </a:r>
+          </a:p>
+          <a:p>
+            <a:pPr marL="457200" indent="-457200" eaLnBrk="0" hangingPunct="0">
+              <a:buClr>
+                <a:schemeClr val="accent2"/>
+              </a:buClr>
+              <a:buFont typeface="Wingdings" charset="2"/>
+              <a:buChar char="§"/>
             </a:pPr>
             <a:r>
-              <a:rPr lang="en-US" sz="2800">
+              <a:rPr lang="en-US" sz="2800" dirty="0">
                 <a:solidFill>
-                  <a:srgbClr val="FF3300"/>
+                  <a:schemeClr val="tx1"/>
                 </a:solidFill>
               </a:rPr>
-              <a:t>Which registers must the caller save before a call, and which registers must the callee save if it uses them?</a:t>
-            </a:r>
+              <a:t>The other 6 are split between </a:t>
+            </a:r>
+            <a:r>
+              <a:rPr lang="en-US" sz="2800" dirty="0" err="1">
+                <a:solidFill>
+                  <a:schemeClr val="tx1"/>
+                </a:solidFill>
+              </a:rPr>
+              <a:t>callee</a:t>
+            </a:r>
+            <a:r>
+              <a:rPr lang="en-US" sz="2800" dirty="0">
+                <a:solidFill>
+                  <a:schemeClr val="tx1"/>
+                </a:solidFill>
+              </a:rPr>
+              <a:t>-saved (ESI, EDI) and caller-saved</a:t>
+            </a:r>
+          </a:p>
+          <a:p>
+            <a:pPr marL="457200" indent="-457200" eaLnBrk="0" hangingPunct="0">
+              <a:buClr>
+                <a:schemeClr val="accent2"/>
+              </a:buClr>
+              <a:buFont typeface="Wingdings" charset="2"/>
+              <a:buChar char="§"/>
+            </a:pPr>
+            <a:r>
+              <a:rPr lang="en-US" sz="2800" dirty="0">
+                <a:solidFill>
+                  <a:schemeClr val="tx1"/>
+                </a:solidFill>
+              </a:rPr>
+              <a:t>Remember: Just a </a:t>
+            </a:r>
+            <a:r>
+              <a:rPr lang="en-US" sz="2800" i="1" u="sng" dirty="0">
+                <a:solidFill>
+                  <a:schemeClr val="tx1"/>
+                </a:solidFill>
+              </a:rPr>
+              <a:t>convention</a:t>
+            </a:r>
+            <a:r>
+              <a:rPr lang="en-US" sz="2800" dirty="0">
+                <a:solidFill>
+                  <a:schemeClr val="tx1"/>
+                </a:solidFill>
+              </a:rPr>
+              <a:t>, or agreement, among software designers</a:t>
+            </a:r>
+            <a:endParaRPr lang="en-US" sz="2800" dirty="0">
+              <a:solidFill>
+                <a:srgbClr val="FF3300"/>
+              </a:solidFill>
+            </a:endParaRPr>
           </a:p>
         </p:txBody>
       </p:sp>
@@ -20553,7 +20754,7 @@
       </p:grpSpPr>
       <p:sp>
         <p:nvSpPr>
-          <p:cNvPr id="69635" name="Rectangle 2"/>
+          <p:cNvPr id="71683" name="Rectangle 2"/>
           <p:cNvSpPr>
             <a:spLocks noGrp="1" noChangeArrowheads="1"/>
           </p:cNvSpPr>
@@ -20574,14 +20775,14 @@
             <a:pPr eaLnBrk="1" hangingPunct="1"/>
             <a:r>
               <a:rPr lang="en-US"/>
-              <a:t>Who Saves Which Registers?</a:t>
-            </a:r>
-          </a:p>
-        </p:txBody>
-      </p:sp>
-      <p:sp>
-        <p:nvSpPr>
-          <p:cNvPr id="69634" name="Slide Number Placeholder 2"/>
+              <a:t>What Does the Caller Do?</a:t>
+            </a:r>
+          </a:p>
+        </p:txBody>
+      </p:sp>
+      <p:sp>
+        <p:nvSpPr>
+          <p:cNvPr id="71682" name="Slide Number Placeholder 2"/>
           <p:cNvSpPr>
             <a:spLocks noGrp="1"/>
           </p:cNvSpPr>
@@ -20596,7 +20797,7 @@
           <a:bodyPr/>
           <a:lstStyle/>
           <a:p>
-            <a:fld id="{B8695A32-F8E9-FB4B-A686-04ABFBE1BA1F}" type="slidenum">
+            <a:fld id="{73333209-7608-9B46-9169-0CF81B902CC9}" type="slidenum">
               <a:rPr lang="en-US" smtClean="0">
                 <a:latin typeface="Lucida Sans" charset="0"/>
                 <a:ea typeface="Arial" charset="0"/>
@@ -20615,7 +20816,7 @@
       </p:sp>
       <p:sp>
         <p:nvSpPr>
-          <p:cNvPr id="69636" name="Text Box 3"/>
+          <p:cNvPr id="71684" name="Text Box 3"/>
           <p:cNvSpPr txBox="1">
             <a:spLocks noChangeArrowheads="1"/>
           </p:cNvSpPr>
@@ -20627,8 +20828,8 @@
         </p:nvSpPr>
         <p:spPr bwMode="auto">
           <a:xfrm>
-            <a:off x="441325" y="1398587"/>
-            <a:ext cx="7940675" cy="3935413"/>
+            <a:off x="304800" y="1752600"/>
+            <a:ext cx="8534400" cy="4294188"/>
           </a:xfrm>
           <a:prstGeom prst="rect">
             <a:avLst/>
@@ -20658,28 +20859,162 @@
               <a:buChar char="§"/>
             </a:pPr>
             <a:r>
-              <a:rPr lang="en-US" sz="2800" dirty="0">
+              <a:rPr lang="en-US" sz="2800">
                 <a:solidFill>
                   <a:schemeClr val="tx1"/>
                 </a:solidFill>
               </a:rPr>
-              <a:t>It is efficient to have the caller save some registers before the call, leaving others for the </a:t>
-            </a:r>
-            <a:r>
-              <a:rPr lang="en-US" sz="2800" dirty="0" err="1">
+              <a:t>Example: Call a function and pass 3 integer parameters to it</a:t>
+            </a:r>
+            <a:endParaRPr lang="en-US" sz="2400">
+              <a:solidFill>
+                <a:schemeClr val="tx1"/>
+              </a:solidFill>
+              <a:latin typeface="Courier New" charset="0"/>
+            </a:endParaRPr>
+          </a:p>
+          <a:p>
+            <a:pPr marL="457200" indent="-457200" eaLnBrk="0" hangingPunct="0">
+              <a:buClr>
+                <a:schemeClr val="accent2"/>
+              </a:buClr>
+              <a:buFont typeface="Wingdings" charset="2"/>
+              <a:buNone/>
+            </a:pPr>
+            <a:r>
+              <a:rPr lang="en-US" sz="2400" b="1">
                 <a:solidFill>
                   <a:schemeClr val="tx1"/>
                 </a:solidFill>
-              </a:rPr>
-              <a:t>callee</a:t>
-            </a:r>
-            <a:r>
-              <a:rPr lang="en-US" sz="2800" dirty="0">
+                <a:latin typeface="Courier New" charset="0"/>
+              </a:rPr>
+              <a:t>    push edx    ; caller-saved register</a:t>
+            </a:r>
+          </a:p>
+          <a:p>
+            <a:pPr marL="457200" indent="-457200" eaLnBrk="0" hangingPunct="0">
+              <a:buClr>
+                <a:schemeClr val="accent2"/>
+              </a:buClr>
+              <a:buFont typeface="Wingdings" charset="2"/>
+              <a:buNone/>
+            </a:pPr>
+            <a:r>
+              <a:rPr lang="en-US" sz="2400" b="1">
                 <a:solidFill>
                   <a:schemeClr val="tx1"/>
                 </a:solidFill>
-              </a:rPr>
-              <a:t> to save</a:t>
+                <a:latin typeface="Courier New" charset="0"/>
+              </a:rPr>
+              <a:t>    push [foo]  ; Var foo is last parameter</a:t>
+            </a:r>
+          </a:p>
+          <a:p>
+            <a:pPr marL="457200" indent="-457200" eaLnBrk="0" hangingPunct="0">
+              <a:buClr>
+                <a:schemeClr val="accent2"/>
+              </a:buClr>
+              <a:buFont typeface="Wingdings" charset="2"/>
+              <a:buNone/>
+            </a:pPr>
+            <a:r>
+              <a:rPr lang="en-US" sz="2400" b="1">
+                <a:solidFill>
+                  <a:schemeClr val="tx1"/>
+                </a:solidFill>
+                <a:latin typeface="Courier New" charset="0"/>
+              </a:rPr>
+              <a:t>    push ebx    ; ebx is second parameter</a:t>
+            </a:r>
+          </a:p>
+          <a:p>
+            <a:pPr marL="457200" indent="-457200" eaLnBrk="0" hangingPunct="0">
+              <a:buClr>
+                <a:schemeClr val="accent2"/>
+              </a:buClr>
+              <a:buFont typeface="Wingdings" charset="2"/>
+              <a:buNone/>
+            </a:pPr>
+            <a:r>
+              <a:rPr lang="en-US" sz="2400" b="1">
+                <a:solidFill>
+                  <a:schemeClr val="tx1"/>
+                </a:solidFill>
+                <a:latin typeface="Courier New" charset="0"/>
+              </a:rPr>
+              <a:t>    push eax    ; eax is first parameter</a:t>
+            </a:r>
+          </a:p>
+          <a:p>
+            <a:pPr marL="457200" indent="-457200" eaLnBrk="0" hangingPunct="0">
+              <a:buClr>
+                <a:schemeClr val="accent2"/>
+              </a:buClr>
+              <a:buFont typeface="Wingdings" charset="2"/>
+              <a:buNone/>
+            </a:pPr>
+            <a:r>
+              <a:rPr lang="en-US" sz="2400" b="1">
+                <a:solidFill>
+                  <a:schemeClr val="tx1"/>
+                </a:solidFill>
+                <a:latin typeface="Courier New" charset="0"/>
+              </a:rPr>
+              <a:t>    call baz    ; push return address, jump</a:t>
+            </a:r>
+          </a:p>
+          <a:p>
+            <a:pPr marL="457200" indent="-457200" eaLnBrk="0" hangingPunct="0">
+              <a:buClr>
+                <a:schemeClr val="accent2"/>
+              </a:buClr>
+              <a:buFont typeface="Wingdings" charset="2"/>
+              <a:buNone/>
+            </a:pPr>
+            <a:r>
+              <a:rPr lang="en-US" sz="2400" b="1">
+                <a:solidFill>
+                  <a:schemeClr val="tx1"/>
+                </a:solidFill>
+                <a:latin typeface="Courier New" charset="0"/>
+              </a:rPr>
+              <a:t>    add esp,12  ; toss old parameters</a:t>
+            </a:r>
+          </a:p>
+          <a:p>
+            <a:pPr marL="457200" indent="-457200" eaLnBrk="0" hangingPunct="0">
+              <a:buClr>
+                <a:schemeClr val="accent2"/>
+              </a:buClr>
+              <a:buFont typeface="Wingdings" charset="2"/>
+              <a:buNone/>
+            </a:pPr>
+            <a:r>
+              <a:rPr lang="en-US" sz="2400" b="1">
+                <a:solidFill>
+                  <a:schemeClr val="tx1"/>
+                </a:solidFill>
+                <a:latin typeface="Courier New" charset="0"/>
+              </a:rPr>
+              <a:t>    pop edx     ; restore caller-saved edx</a:t>
+            </a:r>
+          </a:p>
+          <a:p>
+            <a:pPr marL="457200" indent="-457200" eaLnBrk="0" hangingPunct="0">
+              <a:buClr>
+                <a:schemeClr val="accent2"/>
+              </a:buClr>
+              <a:buFont typeface="Wingdings" charset="2"/>
+              <a:buNone/>
+            </a:pPr>
+            <a:r>
+              <a:rPr lang="en-US" sz="2400" b="1">
+                <a:solidFill>
+                  <a:schemeClr val="tx1"/>
+                </a:solidFill>
+                <a:latin typeface="Courier New" charset="0"/>
+              </a:rPr>
+              <a:t>                ; eax holds return value</a:t>
             </a:r>
           </a:p>
           <a:p>
@@ -20691,80 +21026,14 @@
               <a:buChar char="§"/>
             </a:pPr>
             <a:r>
-              <a:rPr lang="en-US" sz="2800" dirty="0">
+              <a:rPr lang="en-US" sz="2800">
                 <a:solidFill>
                   <a:schemeClr val="tx1"/>
                 </a:solidFill>
               </a:rPr>
-              <a:t>x86 only has 8 general registers; 2 are used for the stack frame (ESP and EBP)</a:t>
-            </a:r>
-          </a:p>
-          <a:p>
-            <a:pPr marL="457200" indent="-457200" eaLnBrk="0" hangingPunct="0">
-              <a:buClr>
-                <a:schemeClr val="accent2"/>
-              </a:buClr>
-              <a:buFont typeface="Wingdings" charset="2"/>
-              <a:buChar char="§"/>
-            </a:pPr>
-            <a:r>
-              <a:rPr lang="en-US" sz="2800" dirty="0">
-                <a:solidFill>
-                  <a:schemeClr val="tx1"/>
-                </a:solidFill>
-              </a:rPr>
-              <a:t>The other 6 are split between </a:t>
-            </a:r>
-            <a:r>
-              <a:rPr lang="en-US" sz="2800" dirty="0" err="1">
-                <a:solidFill>
-                  <a:schemeClr val="tx1"/>
-                </a:solidFill>
-              </a:rPr>
-              <a:t>callee</a:t>
-            </a:r>
-            <a:r>
-              <a:rPr lang="en-US" sz="2800" dirty="0">
-                <a:solidFill>
-                  <a:schemeClr val="tx1"/>
-                </a:solidFill>
-              </a:rPr>
-              <a:t>-saved (ESI, EDI) and caller-saved</a:t>
-            </a:r>
-          </a:p>
-          <a:p>
-            <a:pPr marL="457200" indent="-457200" eaLnBrk="0" hangingPunct="0">
-              <a:buClr>
-                <a:schemeClr val="accent2"/>
-              </a:buClr>
-              <a:buFont typeface="Wingdings" charset="2"/>
-              <a:buChar char="§"/>
-            </a:pPr>
-            <a:r>
-              <a:rPr lang="en-US" sz="2800" dirty="0">
-                <a:solidFill>
-                  <a:schemeClr val="tx1"/>
-                </a:solidFill>
-              </a:rPr>
-              <a:t>Remember: Just a </a:t>
-            </a:r>
-            <a:r>
-              <a:rPr lang="en-US" sz="2800" i="1" u="sng" dirty="0">
-                <a:solidFill>
-                  <a:schemeClr val="tx1"/>
-                </a:solidFill>
-              </a:rPr>
-              <a:t>convention</a:t>
-            </a:r>
-            <a:r>
-              <a:rPr lang="en-US" sz="2800" dirty="0">
-                <a:solidFill>
-                  <a:schemeClr val="tx1"/>
-                </a:solidFill>
-              </a:rPr>
-              <a:t>, or agreement, among software designers</a:t>
-            </a:r>
-            <a:endParaRPr lang="en-US" sz="2800" dirty="0">
+              <a:t>eax, ebx did not need to be saved here</a:t>
+            </a:r>
+            <a:endParaRPr lang="en-US" sz="2800">
               <a:solidFill>
                 <a:srgbClr val="FF3300"/>
               </a:solidFill>
@@ -20806,500 +21075,6 @@
       </p:grpSpPr>
       <p:sp>
         <p:nvSpPr>
-          <p:cNvPr id="71683" name="Rectangle 2"/>
-          <p:cNvSpPr>
-            <a:spLocks noGrp="1" noChangeArrowheads="1"/>
-          </p:cNvSpPr>
-          <p:nvPr>
-            <p:ph type="title"/>
-            <p:custDataLst>
-              <p:tags r:id="rId1"/>
-            </p:custDataLst>
-          </p:nvPr>
-        </p:nvSpPr>
-        <p:spPr>
-          <a:noFill/>
-        </p:spPr>
-        <p:txBody>
-          <a:bodyPr lIns="92075" tIns="46038" rIns="92075" bIns="46038" anchor="b"/>
-          <a:lstStyle/>
-          <a:p>
-            <a:pPr eaLnBrk="1" hangingPunct="1"/>
-            <a:r>
-              <a:rPr lang="en-US"/>
-              <a:t>What Does the Caller Do?</a:t>
-            </a:r>
-          </a:p>
-        </p:txBody>
-      </p:sp>
-      <p:sp>
-        <p:nvSpPr>
-          <p:cNvPr id="71682" name="Slide Number Placeholder 2"/>
-          <p:cNvSpPr>
-            <a:spLocks noGrp="1"/>
-          </p:cNvSpPr>
-          <p:nvPr>
-            <p:ph type="sldNum" sz="quarter" idx="12"/>
-          </p:nvPr>
-        </p:nvSpPr>
-        <p:spPr>
-          <a:noFill/>
-        </p:spPr>
-        <p:txBody>
-          <a:bodyPr/>
-          <a:lstStyle/>
-          <a:p>
-            <a:fld id="{73333209-7608-9B46-9169-0CF81B902CC9}" type="slidenum">
-              <a:rPr lang="en-US" smtClean="0">
-                <a:latin typeface="Lucida Sans" charset="0"/>
-                <a:ea typeface="Arial" charset="0"/>
-                <a:cs typeface="Arial" charset="0"/>
-              </a:rPr>
-              <a:pPr/>
-              <a:t>29</a:t>
-            </a:fld>
-            <a:endParaRPr lang="en-US" smtClean="0">
-              <a:latin typeface="Lucida Sans" charset="0"/>
-              <a:ea typeface="Arial" charset="0"/>
-              <a:cs typeface="Arial" charset="0"/>
-            </a:endParaRPr>
-          </a:p>
-        </p:txBody>
-      </p:sp>
-      <p:sp>
-        <p:nvSpPr>
-          <p:cNvPr id="71684" name="Text Box 3"/>
-          <p:cNvSpPr txBox="1">
-            <a:spLocks noChangeArrowheads="1"/>
-          </p:cNvSpPr>
-          <p:nvPr>
-            <p:custDataLst>
-              <p:tags r:id="rId2"/>
-            </p:custDataLst>
-          </p:nvPr>
-        </p:nvSpPr>
-        <p:spPr bwMode="auto">
-          <a:xfrm>
-            <a:off x="304800" y="1752600"/>
-            <a:ext cx="8534400" cy="4294188"/>
-          </a:xfrm>
-          <a:prstGeom prst="rect">
-            <a:avLst/>
-          </a:prstGeom>
-          <a:noFill/>
-          <a:ln w="9525">
-            <a:noFill/>
-            <a:miter lim="800000"/>
-            <a:headEnd/>
-            <a:tailEnd/>
-          </a:ln>
-        </p:spPr>
-        <p:txBody>
-          <a:bodyPr>
-            <a:prstTxWarp prst="textNoShape">
-              <a:avLst/>
-            </a:prstTxWarp>
-            <a:spAutoFit/>
-          </a:bodyPr>
-          <a:lstStyle/>
-          <a:p>
-            <a:pPr marL="457200" indent="-457200" eaLnBrk="0" hangingPunct="0">
-              <a:buClr>
-                <a:schemeClr val="accent2"/>
-              </a:buClr>
-              <a:buFont typeface="Wingdings" charset="2"/>
-              <a:buChar char="§"/>
-            </a:pPr>
-            <a:r>
-              <a:rPr lang="en-US" sz="2800">
-                <a:solidFill>
-                  <a:schemeClr val="tx1"/>
-                </a:solidFill>
-              </a:rPr>
-              <a:t>Example: Call a function and pass 3 integer parameters to it</a:t>
-            </a:r>
-            <a:endParaRPr lang="en-US" sz="2400">
-              <a:solidFill>
-                <a:schemeClr val="tx1"/>
-              </a:solidFill>
-              <a:latin typeface="Courier New" charset="0"/>
-            </a:endParaRPr>
-          </a:p>
-          <a:p>
-            <a:pPr marL="457200" indent="-457200" eaLnBrk="0" hangingPunct="0">
-              <a:buClr>
-                <a:schemeClr val="accent2"/>
-              </a:buClr>
-              <a:buFont typeface="Wingdings" charset="2"/>
-              <a:buNone/>
-            </a:pPr>
-            <a:r>
-              <a:rPr lang="en-US" sz="2400" b="1">
-                <a:solidFill>
-                  <a:schemeClr val="tx1"/>
-                </a:solidFill>
-                <a:latin typeface="Courier New" charset="0"/>
-              </a:rPr>
-              <a:t>    push edx    ; caller-saved register</a:t>
-            </a:r>
-          </a:p>
-          <a:p>
-            <a:pPr marL="457200" indent="-457200" eaLnBrk="0" hangingPunct="0">
-              <a:buClr>
-                <a:schemeClr val="accent2"/>
-              </a:buClr>
-              <a:buFont typeface="Wingdings" charset="2"/>
-              <a:buNone/>
-            </a:pPr>
-            <a:r>
-              <a:rPr lang="en-US" sz="2400" b="1">
-                <a:solidFill>
-                  <a:schemeClr val="tx1"/>
-                </a:solidFill>
-                <a:latin typeface="Courier New" charset="0"/>
-              </a:rPr>
-              <a:t>    push [foo]  ; Var foo is last parameter</a:t>
-            </a:r>
-          </a:p>
-          <a:p>
-            <a:pPr marL="457200" indent="-457200" eaLnBrk="0" hangingPunct="0">
-              <a:buClr>
-                <a:schemeClr val="accent2"/>
-              </a:buClr>
-              <a:buFont typeface="Wingdings" charset="2"/>
-              <a:buNone/>
-            </a:pPr>
-            <a:r>
-              <a:rPr lang="en-US" sz="2400" b="1">
-                <a:solidFill>
-                  <a:schemeClr val="tx1"/>
-                </a:solidFill>
-                <a:latin typeface="Courier New" charset="0"/>
-              </a:rPr>
-              <a:t>    push ebx    ; ebx is second parameter</a:t>
-            </a:r>
-          </a:p>
-          <a:p>
-            <a:pPr marL="457200" indent="-457200" eaLnBrk="0" hangingPunct="0">
-              <a:buClr>
-                <a:schemeClr val="accent2"/>
-              </a:buClr>
-              <a:buFont typeface="Wingdings" charset="2"/>
-              <a:buNone/>
-            </a:pPr>
-            <a:r>
-              <a:rPr lang="en-US" sz="2400" b="1">
-                <a:solidFill>
-                  <a:schemeClr val="tx1"/>
-                </a:solidFill>
-                <a:latin typeface="Courier New" charset="0"/>
-              </a:rPr>
-              <a:t>    push eax    ; eax is first parameter</a:t>
-            </a:r>
-          </a:p>
-          <a:p>
-            <a:pPr marL="457200" indent="-457200" eaLnBrk="0" hangingPunct="0">
-              <a:buClr>
-                <a:schemeClr val="accent2"/>
-              </a:buClr>
-              <a:buFont typeface="Wingdings" charset="2"/>
-              <a:buNone/>
-            </a:pPr>
-            <a:r>
-              <a:rPr lang="en-US" sz="2400" b="1">
-                <a:solidFill>
-                  <a:schemeClr val="tx1"/>
-                </a:solidFill>
-                <a:latin typeface="Courier New" charset="0"/>
-              </a:rPr>
-              <a:t>    call baz    ; push return address, jump</a:t>
-            </a:r>
-          </a:p>
-          <a:p>
-            <a:pPr marL="457200" indent="-457200" eaLnBrk="0" hangingPunct="0">
-              <a:buClr>
-                <a:schemeClr val="accent2"/>
-              </a:buClr>
-              <a:buFont typeface="Wingdings" charset="2"/>
-              <a:buNone/>
-            </a:pPr>
-            <a:r>
-              <a:rPr lang="en-US" sz="2400" b="1">
-                <a:solidFill>
-                  <a:schemeClr val="tx1"/>
-                </a:solidFill>
-                <a:latin typeface="Courier New" charset="0"/>
-              </a:rPr>
-              <a:t>    add esp,12  ; toss old parameters</a:t>
-            </a:r>
-          </a:p>
-          <a:p>
-            <a:pPr marL="457200" indent="-457200" eaLnBrk="0" hangingPunct="0">
-              <a:buClr>
-                <a:schemeClr val="accent2"/>
-              </a:buClr>
-              <a:buFont typeface="Wingdings" charset="2"/>
-              <a:buNone/>
-            </a:pPr>
-            <a:r>
-              <a:rPr lang="en-US" sz="2400" b="1">
-                <a:solidFill>
-                  <a:schemeClr val="tx1"/>
-                </a:solidFill>
-                <a:latin typeface="Courier New" charset="0"/>
-              </a:rPr>
-              <a:t>    pop edx     ; restore caller-saved edx</a:t>
-            </a:r>
-          </a:p>
-          <a:p>
-            <a:pPr marL="457200" indent="-457200" eaLnBrk="0" hangingPunct="0">
-              <a:buClr>
-                <a:schemeClr val="accent2"/>
-              </a:buClr>
-              <a:buFont typeface="Wingdings" charset="2"/>
-              <a:buNone/>
-            </a:pPr>
-            <a:r>
-              <a:rPr lang="en-US" sz="2400" b="1">
-                <a:solidFill>
-                  <a:schemeClr val="tx1"/>
-                </a:solidFill>
-                <a:latin typeface="Courier New" charset="0"/>
-              </a:rPr>
-              <a:t>                ; eax holds return value</a:t>
-            </a:r>
-          </a:p>
-          <a:p>
-            <a:pPr marL="457200" indent="-457200" eaLnBrk="0" hangingPunct="0">
-              <a:buClr>
-                <a:schemeClr val="accent2"/>
-              </a:buClr>
-              <a:buFont typeface="Wingdings" charset="2"/>
-              <a:buChar char="§"/>
-            </a:pPr>
-            <a:r>
-              <a:rPr lang="en-US" sz="2800">
-                <a:solidFill>
-                  <a:schemeClr val="tx1"/>
-                </a:solidFill>
-              </a:rPr>
-              <a:t>eax, ebx did not need to be saved here</a:t>
-            </a:r>
-            <a:endParaRPr lang="en-US" sz="2800">
-              <a:solidFill>
-                <a:srgbClr val="FF3300"/>
-              </a:solidFill>
-            </a:endParaRPr>
-          </a:p>
-        </p:txBody>
-      </p:sp>
-    </p:spTree>
-  </p:cSld>
-  <p:clrMapOvr>
-    <a:masterClrMapping/>
-  </p:clrMapOvr>
-  <p:timing>
-    <p:tnLst>
-      <p:par>
-        <p:cTn xmlns:p14="http://schemas.microsoft.com/office/powerpoint/2010/main" id="1" dur="indefinite" restart="never" nodeType="tmRoot"/>
-      </p:par>
-    </p:tnLst>
-  </p:timing>
-</p:sld>
-</file>
-
-<file path=ppt/slides/slide3.xml><?xml version="1.0" encoding="utf-8"?>
-<p:sld xmlns:a="http://schemas.openxmlformats.org/drawingml/2006/main" xmlns:r="http://schemas.openxmlformats.org/officeDocument/2006/relationships" xmlns:p="http://schemas.openxmlformats.org/presentationml/2006/main">
-  <p:cSld>
-    <p:spTree>
-      <p:nvGrpSpPr>
-        <p:cNvPr id="1" name=""/>
-        <p:cNvGrpSpPr/>
-        <p:nvPr/>
-      </p:nvGrpSpPr>
-      <p:grpSpPr>
-        <a:xfrm>
-          <a:off x="0" y="0"/>
-          <a:ext cx="0" cy="0"/>
-          <a:chOff x="0" y="0"/>
-          <a:chExt cx="0" cy="0"/>
-        </a:xfrm>
-      </p:grpSpPr>
-      <p:sp>
-        <p:nvSpPr>
-          <p:cNvPr id="20483" name="Rectangle 2"/>
-          <p:cNvSpPr>
-            <a:spLocks noGrp="1" noChangeArrowheads="1"/>
-          </p:cNvSpPr>
-          <p:nvPr>
-            <p:ph type="title"/>
-            <p:custDataLst>
-              <p:tags r:id="rId1"/>
-            </p:custDataLst>
-          </p:nvPr>
-        </p:nvSpPr>
-        <p:spPr/>
-        <p:txBody>
-          <a:bodyPr/>
-          <a:lstStyle/>
-          <a:p>
-            <a:pPr eaLnBrk="1" hangingPunct="1"/>
-            <a:r>
-              <a:rPr lang="en-US"/>
-              <a:t>x86 Primer</a:t>
-            </a:r>
-          </a:p>
-        </p:txBody>
-      </p:sp>
-      <p:sp>
-        <p:nvSpPr>
-          <p:cNvPr id="20482" name="Slide Number Placeholder 3"/>
-          <p:cNvSpPr>
-            <a:spLocks noGrp="1"/>
-          </p:cNvSpPr>
-          <p:nvPr>
-            <p:ph type="sldNum" sz="quarter" idx="12"/>
-          </p:nvPr>
-        </p:nvSpPr>
-        <p:spPr>
-          <a:noFill/>
-        </p:spPr>
-        <p:txBody>
-          <a:bodyPr/>
-          <a:lstStyle/>
-          <a:p>
-            <a:fld id="{3ACD02EB-58BC-A243-A68B-B45F0E08D464}" type="slidenum">
-              <a:rPr lang="en-US" smtClean="0">
-                <a:latin typeface="Lucida Sans" charset="0"/>
-                <a:ea typeface="Arial" charset="0"/>
-                <a:cs typeface="Arial" charset="0"/>
-              </a:rPr>
-              <a:pPr/>
-              <a:t>3</a:t>
-            </a:fld>
-            <a:endParaRPr lang="en-US" smtClean="0">
-              <a:latin typeface="Lucida Sans" charset="0"/>
-              <a:ea typeface="Arial" charset="0"/>
-              <a:cs typeface="Arial" charset="0"/>
-            </a:endParaRPr>
-          </a:p>
-        </p:txBody>
-      </p:sp>
-      <p:sp>
-        <p:nvSpPr>
-          <p:cNvPr id="20484" name="Rectangle 3"/>
-          <p:cNvSpPr>
-            <a:spLocks noGrp="1" noChangeArrowheads="1"/>
-          </p:cNvSpPr>
-          <p:nvPr>
-            <p:ph sz="quarter" idx="1"/>
-            <p:custDataLst>
-              <p:tags r:id="rId2"/>
-            </p:custDataLst>
-          </p:nvPr>
-        </p:nvSpPr>
-        <p:spPr/>
-        <p:txBody>
-          <a:bodyPr/>
-          <a:lstStyle/>
-          <a:p>
-            <a:pPr eaLnBrk="1" hangingPunct="1"/>
-            <a:r>
-              <a:rPr lang="en-US"/>
-              <a:t>CISC architecture</a:t>
-            </a:r>
-          </a:p>
-          <a:p>
-            <a:pPr lvl="1" eaLnBrk="1" hangingPunct="1"/>
-            <a:r>
-              <a:rPr lang="en-US"/>
-              <a:t>Lots of instructions and addressing modes</a:t>
-            </a:r>
-          </a:p>
-          <a:p>
-            <a:pPr lvl="1" eaLnBrk="1" hangingPunct="1"/>
-            <a:r>
-              <a:rPr lang="en-US"/>
-              <a:t>Operands can be taken from memory</a:t>
-            </a:r>
-          </a:p>
-          <a:p>
-            <a:pPr lvl="1" eaLnBrk="1" hangingPunct="1"/>
-            <a:r>
-              <a:rPr lang="en-US"/>
-              <a:t>Instructions are variable length</a:t>
-            </a:r>
-          </a:p>
-          <a:p>
-            <a:pPr lvl="2" eaLnBrk="1" hangingPunct="1"/>
-            <a:r>
-              <a:rPr lang="en-US"/>
-              <a:t>Depends on operation</a:t>
-            </a:r>
-          </a:p>
-          <a:p>
-            <a:pPr lvl="2" eaLnBrk="1" hangingPunct="1"/>
-            <a:r>
-              <a:rPr lang="en-US"/>
-              <a:t>Depends on addressing modes</a:t>
-            </a:r>
-          </a:p>
-          <a:p>
-            <a:pPr eaLnBrk="1" hangingPunct="1"/>
-            <a:r>
-              <a:rPr lang="en-US"/>
-              <a:t>Architecture manuals at:</a:t>
-            </a:r>
-          </a:p>
-          <a:p>
-            <a:pPr lvl="1" eaLnBrk="1" hangingPunct="1">
-              <a:buClr>
-                <a:schemeClr val="tx1"/>
-              </a:buClr>
-              <a:buFont typeface="Lucida Sans" charset="0"/>
-              <a:buNone/>
-            </a:pPr>
-            <a:r>
-              <a:rPr lang="en-US" sz="1800"/>
-              <a:t>http://www.intel.com/products/processor/manuals/index.htm</a:t>
-            </a:r>
-          </a:p>
-        </p:txBody>
-      </p:sp>
-    </p:spTree>
-  </p:cSld>
-  <p:clrMapOvr>
-    <a:masterClrMapping/>
-  </p:clrMapOvr>
-  <p:timing>
-    <p:tnLst>
-      <p:par>
-        <p:cTn xmlns:p14="http://schemas.microsoft.com/office/powerpoint/2010/main" id="1" dur="indefinite" restart="never" nodeType="tmRoot"/>
-      </p:par>
-    </p:tnLst>
-  </p:timing>
-</p:sld>
-</file>
-
-<file path=ppt/slides/slide30.xml><?xml version="1.0" encoding="utf-8"?>
-<p:sld xmlns:a="http://schemas.openxmlformats.org/drawingml/2006/main" xmlns:r="http://schemas.openxmlformats.org/officeDocument/2006/relationships" xmlns:p="http://schemas.openxmlformats.org/presentationml/2006/main">
-  <p:cSld>
-    <p:spTree>
-      <p:nvGrpSpPr>
-        <p:cNvPr id="1" name=""/>
-        <p:cNvGrpSpPr/>
-        <p:nvPr/>
-      </p:nvGrpSpPr>
-      <p:grpSpPr>
-        <a:xfrm>
-          <a:off x="0" y="0"/>
-          <a:ext cx="0" cy="0"/>
-          <a:chOff x="0" y="0"/>
-          <a:chExt cx="0" cy="0"/>
-        </a:xfrm>
-      </p:grpSpPr>
-      <p:sp>
-        <p:nvSpPr>
           <p:cNvPr id="73732" name="Rectangle 2"/>
           <p:cNvSpPr>
             <a:spLocks noGrp="1" noChangeArrowheads="1"/>
@@ -21354,7 +21129,7 @@
                 <a:cs typeface="Arial" charset="0"/>
               </a:rPr>
               <a:pPr/>
-              <a:t>30</a:t>
+              <a:t>29</a:t>
             </a:fld>
             <a:endParaRPr lang="en-US" smtClean="0">
               <a:latin typeface="Lucida Sans" charset="0"/>
@@ -21385,7 +21160,7 @@
           <a:graphicData uri="http://schemas.openxmlformats.org/presentationml/2006/ole">
             <mc:AlternateContent xmlns:mc="http://schemas.openxmlformats.org/markup-compatibility/2006">
               <mc:Choice xmlns:v="urn:schemas-microsoft-com:vml" Requires="v">
-                <p:oleObj spid="_x0000_s73753" name="Visio" r:id="rId7" imgW="5124298" imgH="3916375" progId="">
+                <p:oleObj spid="_x0000_s73759" name="Visio" r:id="rId7" imgW="5124298" imgH="3916375" progId="">
                   <p:embed/>
                 </p:oleObj>
               </mc:Choice>
@@ -21558,6 +21333,477 @@
 </p:sld>
 </file>
 
+<file path=ppt/slides/slide3.xml><?xml version="1.0" encoding="utf-8"?>
+<p:sld xmlns:a="http://schemas.openxmlformats.org/drawingml/2006/main" xmlns:r="http://schemas.openxmlformats.org/officeDocument/2006/relationships" xmlns:p="http://schemas.openxmlformats.org/presentationml/2006/main">
+  <p:cSld>
+    <p:spTree>
+      <p:nvGrpSpPr>
+        <p:cNvPr id="1" name=""/>
+        <p:cNvGrpSpPr/>
+        <p:nvPr/>
+      </p:nvGrpSpPr>
+      <p:grpSpPr>
+        <a:xfrm>
+          <a:off x="0" y="0"/>
+          <a:ext cx="0" cy="0"/>
+          <a:chOff x="0" y="0"/>
+          <a:chExt cx="0" cy="0"/>
+        </a:xfrm>
+      </p:grpSpPr>
+      <p:sp>
+        <p:nvSpPr>
+          <p:cNvPr id="20483" name="Rectangle 2"/>
+          <p:cNvSpPr>
+            <a:spLocks noGrp="1" noChangeArrowheads="1"/>
+          </p:cNvSpPr>
+          <p:nvPr>
+            <p:ph type="title"/>
+            <p:custDataLst>
+              <p:tags r:id="rId1"/>
+            </p:custDataLst>
+          </p:nvPr>
+        </p:nvSpPr>
+        <p:spPr/>
+        <p:txBody>
+          <a:bodyPr/>
+          <a:lstStyle/>
+          <a:p>
+            <a:pPr eaLnBrk="1" hangingPunct="1"/>
+            <a:r>
+              <a:rPr lang="en-US"/>
+              <a:t>x86 Primer</a:t>
+            </a:r>
+          </a:p>
+        </p:txBody>
+      </p:sp>
+      <p:sp>
+        <p:nvSpPr>
+          <p:cNvPr id="20482" name="Slide Number Placeholder 3"/>
+          <p:cNvSpPr>
+            <a:spLocks noGrp="1"/>
+          </p:cNvSpPr>
+          <p:nvPr>
+            <p:ph type="sldNum" sz="quarter" idx="12"/>
+          </p:nvPr>
+        </p:nvSpPr>
+        <p:spPr>
+          <a:noFill/>
+        </p:spPr>
+        <p:txBody>
+          <a:bodyPr/>
+          <a:lstStyle/>
+          <a:p>
+            <a:fld id="{3ACD02EB-58BC-A243-A68B-B45F0E08D464}" type="slidenum">
+              <a:rPr lang="en-US" smtClean="0">
+                <a:latin typeface="Lucida Sans" charset="0"/>
+                <a:ea typeface="Arial" charset="0"/>
+                <a:cs typeface="Arial" charset="0"/>
+              </a:rPr>
+              <a:pPr/>
+              <a:t>3</a:t>
+            </a:fld>
+            <a:endParaRPr lang="en-US" smtClean="0">
+              <a:latin typeface="Lucida Sans" charset="0"/>
+              <a:ea typeface="Arial" charset="0"/>
+              <a:cs typeface="Arial" charset="0"/>
+            </a:endParaRPr>
+          </a:p>
+        </p:txBody>
+      </p:sp>
+      <p:sp>
+        <p:nvSpPr>
+          <p:cNvPr id="20484" name="Rectangle 3"/>
+          <p:cNvSpPr>
+            <a:spLocks noGrp="1" noChangeArrowheads="1"/>
+          </p:cNvSpPr>
+          <p:nvPr>
+            <p:ph sz="quarter" idx="1"/>
+            <p:custDataLst>
+              <p:tags r:id="rId2"/>
+            </p:custDataLst>
+          </p:nvPr>
+        </p:nvSpPr>
+        <p:spPr/>
+        <p:txBody>
+          <a:bodyPr/>
+          <a:lstStyle/>
+          <a:p>
+            <a:pPr eaLnBrk="1" hangingPunct="1"/>
+            <a:r>
+              <a:rPr lang="en-US"/>
+              <a:t>CISC architecture</a:t>
+            </a:r>
+          </a:p>
+          <a:p>
+            <a:pPr lvl="1" eaLnBrk="1" hangingPunct="1"/>
+            <a:r>
+              <a:rPr lang="en-US"/>
+              <a:t>Lots of instructions and addressing modes</a:t>
+            </a:r>
+          </a:p>
+          <a:p>
+            <a:pPr lvl="1" eaLnBrk="1" hangingPunct="1"/>
+            <a:r>
+              <a:rPr lang="en-US"/>
+              <a:t>Operands can be taken from memory</a:t>
+            </a:r>
+          </a:p>
+          <a:p>
+            <a:pPr lvl="1" eaLnBrk="1" hangingPunct="1"/>
+            <a:r>
+              <a:rPr lang="en-US"/>
+              <a:t>Instructions are variable length</a:t>
+            </a:r>
+          </a:p>
+          <a:p>
+            <a:pPr lvl="2" eaLnBrk="1" hangingPunct="1"/>
+            <a:r>
+              <a:rPr lang="en-US"/>
+              <a:t>Depends on operation</a:t>
+            </a:r>
+          </a:p>
+          <a:p>
+            <a:pPr lvl="2" eaLnBrk="1" hangingPunct="1"/>
+            <a:r>
+              <a:rPr lang="en-US"/>
+              <a:t>Depends on addressing modes</a:t>
+            </a:r>
+          </a:p>
+          <a:p>
+            <a:pPr eaLnBrk="1" hangingPunct="1"/>
+            <a:r>
+              <a:rPr lang="en-US"/>
+              <a:t>Architecture manuals at:</a:t>
+            </a:r>
+          </a:p>
+          <a:p>
+            <a:pPr lvl="1" eaLnBrk="1" hangingPunct="1">
+              <a:buClr>
+                <a:schemeClr val="tx1"/>
+              </a:buClr>
+              <a:buFont typeface="Lucida Sans" charset="0"/>
+              <a:buNone/>
+            </a:pPr>
+            <a:r>
+              <a:rPr lang="en-US" sz="1800"/>
+              <a:t>http://www.intel.com/products/processor/manuals/index.htm</a:t>
+            </a:r>
+          </a:p>
+        </p:txBody>
+      </p:sp>
+    </p:spTree>
+  </p:cSld>
+  <p:clrMapOvr>
+    <a:masterClrMapping/>
+  </p:clrMapOvr>
+  <p:timing>
+    <p:tnLst>
+      <p:par>
+        <p:cTn xmlns:p14="http://schemas.microsoft.com/office/powerpoint/2010/main" id="1" dur="indefinite" restart="never" nodeType="tmRoot"/>
+      </p:par>
+    </p:tnLst>
+  </p:timing>
+</p:sld>
+</file>
+
+<file path=ppt/slides/slide30.xml><?xml version="1.0" encoding="utf-8"?>
+<p:sld xmlns:a="http://schemas.openxmlformats.org/drawingml/2006/main" xmlns:r="http://schemas.openxmlformats.org/officeDocument/2006/relationships" xmlns:p="http://schemas.openxmlformats.org/presentationml/2006/main">
+  <p:cSld>
+    <p:spTree>
+      <p:nvGrpSpPr>
+        <p:cNvPr id="1" name=""/>
+        <p:cNvGrpSpPr/>
+        <p:nvPr/>
+      </p:nvGrpSpPr>
+      <p:grpSpPr>
+        <a:xfrm>
+          <a:off x="0" y="0"/>
+          <a:ext cx="0" cy="0"/>
+          <a:chOff x="0" y="0"/>
+          <a:chExt cx="0" cy="0"/>
+        </a:xfrm>
+      </p:grpSpPr>
+      <p:sp>
+        <p:nvSpPr>
+          <p:cNvPr id="75779" name="Rectangle 2"/>
+          <p:cNvSpPr>
+            <a:spLocks noGrp="1" noChangeArrowheads="1"/>
+          </p:cNvSpPr>
+          <p:nvPr>
+            <p:ph type="title"/>
+            <p:custDataLst>
+              <p:tags r:id="rId1"/>
+            </p:custDataLst>
+          </p:nvPr>
+        </p:nvSpPr>
+        <p:spPr>
+          <a:noFill/>
+        </p:spPr>
+        <p:txBody>
+          <a:bodyPr lIns="92075" tIns="46038" rIns="92075" bIns="46038" anchor="b"/>
+          <a:lstStyle/>
+          <a:p>
+            <a:pPr eaLnBrk="1" hangingPunct="1"/>
+            <a:r>
+              <a:rPr lang="en-US"/>
+              <a:t>Callee Stack Frame Setup</a:t>
+            </a:r>
+          </a:p>
+        </p:txBody>
+      </p:sp>
+      <p:sp>
+        <p:nvSpPr>
+          <p:cNvPr id="75778" name="Slide Number Placeholder 2"/>
+          <p:cNvSpPr>
+            <a:spLocks noGrp="1"/>
+          </p:cNvSpPr>
+          <p:nvPr>
+            <p:ph type="sldNum" sz="quarter" idx="12"/>
+          </p:nvPr>
+        </p:nvSpPr>
+        <p:spPr>
+          <a:noFill/>
+        </p:spPr>
+        <p:txBody>
+          <a:bodyPr/>
+          <a:lstStyle/>
+          <a:p>
+            <a:fld id="{A6D37C3B-B207-0B41-85EF-8C15DE225EFD}" type="slidenum">
+              <a:rPr lang="en-US" smtClean="0">
+                <a:latin typeface="Lucida Sans" charset="0"/>
+                <a:ea typeface="Arial" charset="0"/>
+                <a:cs typeface="Arial" charset="0"/>
+              </a:rPr>
+              <a:pPr/>
+              <a:t>30</a:t>
+            </a:fld>
+            <a:endParaRPr lang="en-US" smtClean="0">
+              <a:latin typeface="Lucida Sans" charset="0"/>
+              <a:ea typeface="Arial" charset="0"/>
+              <a:cs typeface="Arial" charset="0"/>
+            </a:endParaRPr>
+          </a:p>
+        </p:txBody>
+      </p:sp>
+      <p:sp>
+        <p:nvSpPr>
+          <p:cNvPr id="75780" name="Text Box 6"/>
+          <p:cNvSpPr txBox="1">
+            <a:spLocks noChangeArrowheads="1"/>
+          </p:cNvSpPr>
+          <p:nvPr>
+            <p:custDataLst>
+              <p:tags r:id="rId2"/>
+            </p:custDataLst>
+          </p:nvPr>
+        </p:nvSpPr>
+        <p:spPr bwMode="auto">
+          <a:xfrm>
+            <a:off x="304800" y="1600200"/>
+            <a:ext cx="8534400" cy="3867150"/>
+          </a:xfrm>
+          <a:prstGeom prst="rect">
+            <a:avLst/>
+          </a:prstGeom>
+          <a:noFill/>
+          <a:ln w="9525">
+            <a:noFill/>
+            <a:miter lim="800000"/>
+            <a:headEnd/>
+            <a:tailEnd/>
+          </a:ln>
+        </p:spPr>
+        <p:txBody>
+          <a:bodyPr>
+            <a:prstTxWarp prst="textNoShape">
+              <a:avLst/>
+            </a:prstTxWarp>
+            <a:spAutoFit/>
+          </a:bodyPr>
+          <a:lstStyle/>
+          <a:p>
+            <a:pPr eaLnBrk="0" hangingPunct="0">
+              <a:buClr>
+                <a:schemeClr val="accent2"/>
+              </a:buClr>
+              <a:buFont typeface="Wingdings" charset="2"/>
+              <a:buChar char="§"/>
+            </a:pPr>
+            <a:r>
+              <a:rPr lang="en-US" sz="2800" b="1">
+                <a:solidFill>
+                  <a:schemeClr val="tx1"/>
+                </a:solidFill>
+              </a:rPr>
+              <a:t> </a:t>
+            </a:r>
+            <a:r>
+              <a:rPr lang="en-US" sz="2800">
+                <a:solidFill>
+                  <a:schemeClr val="tx1"/>
+                </a:solidFill>
+              </a:rPr>
+              <a:t>The standard subroutine prologue code sets up the new stack frame:</a:t>
+            </a:r>
+          </a:p>
+          <a:p>
+            <a:pPr eaLnBrk="0" hangingPunct="0"/>
+            <a:endParaRPr lang="en-US" sz="2400" b="1">
+              <a:solidFill>
+                <a:schemeClr val="tx1"/>
+              </a:solidFill>
+              <a:latin typeface="Courier New" charset="0"/>
+            </a:endParaRPr>
+          </a:p>
+          <a:p>
+            <a:pPr eaLnBrk="0" hangingPunct="0"/>
+            <a:r>
+              <a:rPr lang="en-US" sz="2400" b="1">
+                <a:solidFill>
+                  <a:schemeClr val="tx1"/>
+                </a:solidFill>
+                <a:latin typeface="Courier New" charset="0"/>
+              </a:rPr>
+              <a:t>   ; Prologue code at top of function</a:t>
+            </a:r>
+          </a:p>
+          <a:p>
+            <a:pPr eaLnBrk="0" hangingPunct="0"/>
+            <a:r>
+              <a:rPr lang="en-US" sz="2400" b="1">
+                <a:solidFill>
+                  <a:schemeClr val="tx1"/>
+                </a:solidFill>
+                <a:latin typeface="Courier New" charset="0"/>
+              </a:rPr>
+              <a:t>   push ebp      ; save old base pointer</a:t>
+            </a:r>
+          </a:p>
+          <a:p>
+            <a:pPr eaLnBrk="0" hangingPunct="0"/>
+            <a:r>
+              <a:rPr lang="en-US" sz="2400" b="1">
+                <a:solidFill>
+                  <a:schemeClr val="tx1"/>
+                </a:solidFill>
+                <a:latin typeface="Courier New" charset="0"/>
+              </a:rPr>
+              <a:t>   move ebp,esp  ; Set new base pointer</a:t>
+            </a:r>
+          </a:p>
+          <a:p>
+            <a:pPr eaLnBrk="0" hangingPunct="0"/>
+            <a:r>
+              <a:rPr lang="en-US" sz="2400" b="1">
+                <a:solidFill>
+                  <a:schemeClr val="tx1"/>
+                </a:solidFill>
+                <a:latin typeface="Courier New" charset="0"/>
+              </a:rPr>
+              <a:t>   sub esp,12    ; Make room for locals</a:t>
+            </a:r>
+          </a:p>
+          <a:p>
+            <a:pPr eaLnBrk="0" hangingPunct="0"/>
+            <a:r>
+              <a:rPr lang="en-US" sz="2400" b="1">
+                <a:solidFill>
+                  <a:schemeClr val="tx1"/>
+                </a:solidFill>
+                <a:latin typeface="Courier New" charset="0"/>
+              </a:rPr>
+              <a:t>   push esi      ; Func uses ESI, so save</a:t>
+            </a:r>
+          </a:p>
+          <a:p>
+            <a:pPr eaLnBrk="0" hangingPunct="0"/>
+            <a:r>
+              <a:rPr lang="en-US" sz="2400" b="1">
+                <a:solidFill>
+                  <a:schemeClr val="tx1"/>
+                </a:solidFill>
+                <a:latin typeface="Courier New" charset="0"/>
+              </a:rPr>
+              <a:t>   :</a:t>
+            </a:r>
+          </a:p>
+          <a:p>
+            <a:pPr eaLnBrk="0" hangingPunct="0"/>
+            <a:r>
+              <a:rPr lang="en-US" sz="2400" b="1">
+                <a:solidFill>
+                  <a:schemeClr val="tx1"/>
+                </a:solidFill>
+                <a:latin typeface="Courier New" charset="0"/>
+              </a:rPr>
+              <a:t>   :</a:t>
+            </a:r>
+          </a:p>
+        </p:txBody>
+      </p:sp>
+      <p:sp>
+        <p:nvSpPr>
+          <p:cNvPr id="2" name="TextBox 1"/>
+          <p:cNvSpPr txBox="1"/>
+          <p:nvPr/>
+        </p:nvSpPr>
+        <p:spPr>
+          <a:xfrm>
+            <a:off x="1524000" y="6019800"/>
+            <a:ext cx="5983153" cy="400110"/>
+          </a:xfrm>
+          <a:prstGeom prst="rect">
+            <a:avLst/>
+          </a:prstGeom>
+          <a:solidFill>
+            <a:srgbClr val="CCFFCC"/>
+          </a:solidFill>
+        </p:spPr>
+        <p:txBody>
+          <a:bodyPr wrap="none" rtlCol="0">
+            <a:spAutoFit/>
+          </a:bodyPr>
+          <a:lstStyle/>
+          <a:p>
+            <a:r>
+              <a:rPr lang="en-US" sz="2000" dirty="0" smtClean="0">
+                <a:solidFill>
+                  <a:schemeClr val="tx1"/>
+                </a:solidFill>
+              </a:rPr>
+              <a:t>This code sets up the stack frame of the </a:t>
+            </a:r>
+            <a:r>
+              <a:rPr lang="en-US" sz="2000" dirty="0" err="1" smtClean="0">
+                <a:solidFill>
+                  <a:schemeClr val="tx1"/>
+                </a:solidFill>
+              </a:rPr>
+              <a:t>callee</a:t>
+            </a:r>
+            <a:endParaRPr lang="en-US" sz="2000" dirty="0">
+              <a:solidFill>
+                <a:schemeClr val="tx1"/>
+              </a:solidFill>
+            </a:endParaRPr>
+          </a:p>
+        </p:txBody>
+      </p:sp>
+    </p:spTree>
+  </p:cSld>
+  <p:clrMapOvr>
+    <a:masterClrMapping/>
+  </p:clrMapOvr>
+  <p:timing>
+    <p:tnLst>
+      <p:par>
+        <p:cTn xmlns:p14="http://schemas.microsoft.com/office/powerpoint/2010/main" id="1" dur="indefinite" restart="never" nodeType="tmRoot"/>
+      </p:par>
+    </p:tnLst>
+  </p:timing>
+</p:sld>
+</file>
+
 <file path=ppt/slides/slide31.xml><?xml version="1.0" encoding="utf-8"?>
 <p:sld xmlns:a="http://schemas.openxmlformats.org/drawingml/2006/main" xmlns:r="http://schemas.openxmlformats.org/officeDocument/2006/relationships" xmlns:p="http://schemas.openxmlformats.org/presentationml/2006/main">
   <p:cSld>
@@ -21577,256 +21823,6 @@
       </p:grpSpPr>
       <p:sp>
         <p:nvSpPr>
-          <p:cNvPr id="75779" name="Rectangle 2"/>
-          <p:cNvSpPr>
-            <a:spLocks noGrp="1" noChangeArrowheads="1"/>
-          </p:cNvSpPr>
-          <p:nvPr>
-            <p:ph type="title"/>
-            <p:custDataLst>
-              <p:tags r:id="rId1"/>
-            </p:custDataLst>
-          </p:nvPr>
-        </p:nvSpPr>
-        <p:spPr>
-          <a:noFill/>
-        </p:spPr>
-        <p:txBody>
-          <a:bodyPr lIns="92075" tIns="46038" rIns="92075" bIns="46038" anchor="b"/>
-          <a:lstStyle/>
-          <a:p>
-            <a:pPr eaLnBrk="1" hangingPunct="1"/>
-            <a:r>
-              <a:rPr lang="en-US"/>
-              <a:t>Callee Stack Frame Setup</a:t>
-            </a:r>
-          </a:p>
-        </p:txBody>
-      </p:sp>
-      <p:sp>
-        <p:nvSpPr>
-          <p:cNvPr id="75778" name="Slide Number Placeholder 2"/>
-          <p:cNvSpPr>
-            <a:spLocks noGrp="1"/>
-          </p:cNvSpPr>
-          <p:nvPr>
-            <p:ph type="sldNum" sz="quarter" idx="12"/>
-          </p:nvPr>
-        </p:nvSpPr>
-        <p:spPr>
-          <a:noFill/>
-        </p:spPr>
-        <p:txBody>
-          <a:bodyPr/>
-          <a:lstStyle/>
-          <a:p>
-            <a:fld id="{A6D37C3B-B207-0B41-85EF-8C15DE225EFD}" type="slidenum">
-              <a:rPr lang="en-US" smtClean="0">
-                <a:latin typeface="Lucida Sans" charset="0"/>
-                <a:ea typeface="Arial" charset="0"/>
-                <a:cs typeface="Arial" charset="0"/>
-              </a:rPr>
-              <a:pPr/>
-              <a:t>31</a:t>
-            </a:fld>
-            <a:endParaRPr lang="en-US" smtClean="0">
-              <a:latin typeface="Lucida Sans" charset="0"/>
-              <a:ea typeface="Arial" charset="0"/>
-              <a:cs typeface="Arial" charset="0"/>
-            </a:endParaRPr>
-          </a:p>
-        </p:txBody>
-      </p:sp>
-      <p:sp>
-        <p:nvSpPr>
-          <p:cNvPr id="75780" name="Text Box 6"/>
-          <p:cNvSpPr txBox="1">
-            <a:spLocks noChangeArrowheads="1"/>
-          </p:cNvSpPr>
-          <p:nvPr>
-            <p:custDataLst>
-              <p:tags r:id="rId2"/>
-            </p:custDataLst>
-          </p:nvPr>
-        </p:nvSpPr>
-        <p:spPr bwMode="auto">
-          <a:xfrm>
-            <a:off x="304800" y="1600200"/>
-            <a:ext cx="8534400" cy="3867150"/>
-          </a:xfrm>
-          <a:prstGeom prst="rect">
-            <a:avLst/>
-          </a:prstGeom>
-          <a:noFill/>
-          <a:ln w="9525">
-            <a:noFill/>
-            <a:miter lim="800000"/>
-            <a:headEnd/>
-            <a:tailEnd/>
-          </a:ln>
-        </p:spPr>
-        <p:txBody>
-          <a:bodyPr>
-            <a:prstTxWarp prst="textNoShape">
-              <a:avLst/>
-            </a:prstTxWarp>
-            <a:spAutoFit/>
-          </a:bodyPr>
-          <a:lstStyle/>
-          <a:p>
-            <a:pPr eaLnBrk="0" hangingPunct="0">
-              <a:buClr>
-                <a:schemeClr val="accent2"/>
-              </a:buClr>
-              <a:buFont typeface="Wingdings" charset="2"/>
-              <a:buChar char="§"/>
-            </a:pPr>
-            <a:r>
-              <a:rPr lang="en-US" sz="2800" b="1">
-                <a:solidFill>
-                  <a:schemeClr val="tx1"/>
-                </a:solidFill>
-              </a:rPr>
-              <a:t> </a:t>
-            </a:r>
-            <a:r>
-              <a:rPr lang="en-US" sz="2800">
-                <a:solidFill>
-                  <a:schemeClr val="tx1"/>
-                </a:solidFill>
-              </a:rPr>
-              <a:t>The standard subroutine prologue code sets up the new stack frame:</a:t>
-            </a:r>
-          </a:p>
-          <a:p>
-            <a:pPr eaLnBrk="0" hangingPunct="0"/>
-            <a:endParaRPr lang="en-US" sz="2400" b="1">
-              <a:solidFill>
-                <a:schemeClr val="tx1"/>
-              </a:solidFill>
-              <a:latin typeface="Courier New" charset="0"/>
-            </a:endParaRPr>
-          </a:p>
-          <a:p>
-            <a:pPr eaLnBrk="0" hangingPunct="0"/>
-            <a:r>
-              <a:rPr lang="en-US" sz="2400" b="1">
-                <a:solidFill>
-                  <a:schemeClr val="tx1"/>
-                </a:solidFill>
-                <a:latin typeface="Courier New" charset="0"/>
-              </a:rPr>
-              <a:t>   ; Prologue code at top of function</a:t>
-            </a:r>
-          </a:p>
-          <a:p>
-            <a:pPr eaLnBrk="0" hangingPunct="0"/>
-            <a:r>
-              <a:rPr lang="en-US" sz="2400" b="1">
-                <a:solidFill>
-                  <a:schemeClr val="tx1"/>
-                </a:solidFill>
-                <a:latin typeface="Courier New" charset="0"/>
-              </a:rPr>
-              <a:t>   push ebp      ; save old base pointer</a:t>
-            </a:r>
-          </a:p>
-          <a:p>
-            <a:pPr eaLnBrk="0" hangingPunct="0"/>
-            <a:r>
-              <a:rPr lang="en-US" sz="2400" b="1">
-                <a:solidFill>
-                  <a:schemeClr val="tx1"/>
-                </a:solidFill>
-                <a:latin typeface="Courier New" charset="0"/>
-              </a:rPr>
-              <a:t>   move ebp,esp  ; Set new base pointer</a:t>
-            </a:r>
-          </a:p>
-          <a:p>
-            <a:pPr eaLnBrk="0" hangingPunct="0"/>
-            <a:r>
-              <a:rPr lang="en-US" sz="2400" b="1">
-                <a:solidFill>
-                  <a:schemeClr val="tx1"/>
-                </a:solidFill>
-                <a:latin typeface="Courier New" charset="0"/>
-              </a:rPr>
-              <a:t>   sub esp,12    ; Make room for locals</a:t>
-            </a:r>
-          </a:p>
-          <a:p>
-            <a:pPr eaLnBrk="0" hangingPunct="0"/>
-            <a:r>
-              <a:rPr lang="en-US" sz="2400" b="1">
-                <a:solidFill>
-                  <a:schemeClr val="tx1"/>
-                </a:solidFill>
-                <a:latin typeface="Courier New" charset="0"/>
-              </a:rPr>
-              <a:t>   push esi      ; Func uses ESI, so save</a:t>
-            </a:r>
-          </a:p>
-          <a:p>
-            <a:pPr eaLnBrk="0" hangingPunct="0"/>
-            <a:r>
-              <a:rPr lang="en-US" sz="2400" b="1">
-                <a:solidFill>
-                  <a:schemeClr val="tx1"/>
-                </a:solidFill>
-                <a:latin typeface="Courier New" charset="0"/>
-              </a:rPr>
-              <a:t>   :</a:t>
-            </a:r>
-          </a:p>
-          <a:p>
-            <a:pPr eaLnBrk="0" hangingPunct="0"/>
-            <a:r>
-              <a:rPr lang="en-US" sz="2400" b="1">
-                <a:solidFill>
-                  <a:schemeClr val="tx1"/>
-                </a:solidFill>
-                <a:latin typeface="Courier New" charset="0"/>
-              </a:rPr>
-              <a:t>   :</a:t>
-            </a:r>
-          </a:p>
-        </p:txBody>
-      </p:sp>
-    </p:spTree>
-  </p:cSld>
-  <p:clrMapOvr>
-    <a:masterClrMapping/>
-  </p:clrMapOvr>
-  <p:timing>
-    <p:tnLst>
-      <p:par>
-        <p:cTn xmlns:p14="http://schemas.microsoft.com/office/powerpoint/2010/main" id="1" dur="indefinite" restart="never" nodeType="tmRoot"/>
-      </p:par>
-    </p:tnLst>
-  </p:timing>
-</p:sld>
-</file>
-
-<file path=ppt/slides/slide32.xml><?xml version="1.0" encoding="utf-8"?>
-<p:sld xmlns:a="http://schemas.openxmlformats.org/drawingml/2006/main" xmlns:r="http://schemas.openxmlformats.org/officeDocument/2006/relationships" xmlns:p="http://schemas.openxmlformats.org/presentationml/2006/main">
-  <p:cSld>
-    <p:spTree>
-      <p:nvGrpSpPr>
-        <p:cNvPr id="1" name=""/>
-        <p:cNvGrpSpPr/>
-        <p:nvPr/>
-      </p:nvGrpSpPr>
-      <p:grpSpPr>
-        <a:xfrm>
-          <a:off x="0" y="0"/>
-          <a:ext cx="0" cy="0"/>
-          <a:chOff x="0" y="0"/>
-          <a:chExt cx="0" cy="0"/>
-        </a:xfrm>
-      </p:grpSpPr>
-      <p:sp>
-        <p:nvSpPr>
           <p:cNvPr id="77828" name="Rectangle 2"/>
           <p:cNvSpPr>
             <a:spLocks noGrp="1" noChangeArrowheads="1"/>
@@ -21877,7 +21873,7 @@
                 <a:cs typeface="Arial" charset="0"/>
               </a:rPr>
               <a:pPr/>
-              <a:t>32</a:t>
+              <a:t>31</a:t>
             </a:fld>
             <a:endParaRPr lang="en-US" smtClean="0">
               <a:latin typeface="Lucida Sans" charset="0"/>
@@ -21908,7 +21904,7 @@
           <a:graphicData uri="http://schemas.openxmlformats.org/presentationml/2006/ole">
             <mc:AlternateContent xmlns:mc="http://schemas.openxmlformats.org/markup-compatibility/2006">
               <mc:Choice xmlns:v="urn:schemas-microsoft-com:vml" Requires="v">
-                <p:oleObj spid="_x0000_s77850" name="Visio" r:id="rId7" imgW="5197063" imgH="5145417" progId="">
+                <p:oleObj spid="_x0000_s77856" name="Visio" r:id="rId7" imgW="5197063" imgH="5145417" progId="">
                   <p:embed/>
                 </p:oleObj>
               </mc:Choice>
@@ -22071,6 +22067,297 @@
 </p:sld>
 </file>
 
+<file path=ppt/slides/slide32.xml><?xml version="1.0" encoding="utf-8"?>
+<p:sld xmlns:a="http://schemas.openxmlformats.org/drawingml/2006/main" xmlns:r="http://schemas.openxmlformats.org/officeDocument/2006/relationships" xmlns:p="http://schemas.openxmlformats.org/presentationml/2006/main">
+  <p:cSld>
+    <p:spTree>
+      <p:nvGrpSpPr>
+        <p:cNvPr id="1" name=""/>
+        <p:cNvGrpSpPr/>
+        <p:nvPr/>
+      </p:nvGrpSpPr>
+      <p:grpSpPr>
+        <a:xfrm>
+          <a:off x="0" y="0"/>
+          <a:ext cx="0" cy="0"/>
+          <a:chOff x="0" y="0"/>
+          <a:chExt cx="0" cy="0"/>
+        </a:xfrm>
+      </p:grpSpPr>
+      <p:sp>
+        <p:nvSpPr>
+          <p:cNvPr id="79875" name="Rectangle 2"/>
+          <p:cNvSpPr>
+            <a:spLocks noGrp="1" noChangeArrowheads="1"/>
+          </p:cNvSpPr>
+          <p:nvPr>
+            <p:ph type="title"/>
+            <p:custDataLst>
+              <p:tags r:id="rId1"/>
+            </p:custDataLst>
+          </p:nvPr>
+        </p:nvSpPr>
+        <p:spPr>
+          <a:noFill/>
+        </p:spPr>
+        <p:txBody>
+          <a:bodyPr lIns="92075" tIns="46038" rIns="92075" bIns="46038" anchor="b"/>
+          <a:lstStyle/>
+          <a:p>
+            <a:pPr eaLnBrk="1" hangingPunct="1"/>
+            <a:r>
+              <a:rPr lang="en-US"/>
+              <a:t>Callee Stack Frame Cleanup</a:t>
+            </a:r>
+          </a:p>
+        </p:txBody>
+      </p:sp>
+      <p:sp>
+        <p:nvSpPr>
+          <p:cNvPr id="79874" name="Slide Number Placeholder 3"/>
+          <p:cNvSpPr>
+            <a:spLocks noGrp="1"/>
+          </p:cNvSpPr>
+          <p:nvPr>
+            <p:ph type="sldNum" sz="quarter" idx="12"/>
+          </p:nvPr>
+        </p:nvSpPr>
+        <p:spPr>
+          <a:noFill/>
+        </p:spPr>
+        <p:txBody>
+          <a:bodyPr/>
+          <a:lstStyle/>
+          <a:p>
+            <a:fld id="{91675DED-238E-C347-950D-CE3746447E34}" type="slidenum">
+              <a:rPr lang="en-US" smtClean="0">
+                <a:latin typeface="Lucida Sans" charset="0"/>
+                <a:ea typeface="Arial" charset="0"/>
+                <a:cs typeface="Arial" charset="0"/>
+              </a:rPr>
+              <a:pPr/>
+              <a:t>32</a:t>
+            </a:fld>
+            <a:endParaRPr lang="en-US" smtClean="0">
+              <a:latin typeface="Lucida Sans" charset="0"/>
+              <a:ea typeface="Arial" charset="0"/>
+              <a:cs typeface="Arial" charset="0"/>
+            </a:endParaRPr>
+          </a:p>
+        </p:txBody>
+      </p:sp>
+      <p:sp>
+        <p:nvSpPr>
+          <p:cNvPr id="79876" name="Rectangle 3"/>
+          <p:cNvSpPr>
+            <a:spLocks noGrp="1" noChangeArrowheads="1"/>
+          </p:cNvSpPr>
+          <p:nvPr>
+            <p:ph sz="quarter" idx="1"/>
+            <p:custDataLst>
+              <p:tags r:id="rId2"/>
+            </p:custDataLst>
+          </p:nvPr>
+        </p:nvSpPr>
+        <p:spPr>
+          <a:xfrm>
+            <a:off x="228600" y="1219200"/>
+            <a:ext cx="8686800" cy="4937760"/>
+          </a:xfrm>
+          <a:noFill/>
+        </p:spPr>
+        <p:txBody>
+          <a:bodyPr lIns="92075" tIns="46038" rIns="92075" bIns="46038"/>
+          <a:lstStyle/>
+          <a:p>
+            <a:pPr defTabSz="911225" eaLnBrk="1" hangingPunct="1">
+              <a:tabLst>
+                <a:tab pos="623888" algn="l"/>
+              </a:tabLst>
+            </a:pPr>
+            <a:r>
+              <a:rPr lang="en-US" sz="4000" b="1" dirty="0"/>
+              <a:t> </a:t>
+            </a:r>
+            <a:r>
+              <a:rPr lang="en-US" dirty="0"/>
+              <a:t>Epilogue code at end cleans up frame (mirror image of prologue):</a:t>
+            </a:r>
+            <a:endParaRPr lang="en-US" dirty="0">
+              <a:latin typeface="Courier New" charset="0"/>
+            </a:endParaRPr>
+          </a:p>
+          <a:p>
+            <a:pPr defTabSz="911225" eaLnBrk="1" hangingPunct="1">
+              <a:buFont typeface="Wingdings" charset="2"/>
+              <a:buNone/>
+              <a:tabLst>
+                <a:tab pos="623888" algn="l"/>
+              </a:tabLst>
+            </a:pPr>
+            <a:r>
+              <a:rPr lang="en-US" sz="2400" dirty="0">
+                <a:latin typeface="Courier New" charset="0"/>
+              </a:rPr>
+              <a:t>   </a:t>
+            </a:r>
+            <a:r>
+              <a:rPr lang="en-US" sz="2400" b="1" dirty="0">
+                <a:latin typeface="Courier New" charset="0"/>
+              </a:rPr>
+              <a:t>; Epilogue code at bottom of function</a:t>
+            </a:r>
+          </a:p>
+          <a:p>
+            <a:pPr defTabSz="911225" eaLnBrk="1" hangingPunct="1">
+              <a:buFont typeface="Wingdings" charset="2"/>
+              <a:buNone/>
+              <a:tabLst>
+                <a:tab pos="623888" algn="l"/>
+              </a:tabLst>
+            </a:pPr>
+            <a:r>
+              <a:rPr lang="en-US" sz="2400" b="1" dirty="0">
+                <a:latin typeface="Courier New" charset="0"/>
+              </a:rPr>
+              <a:t>   pop </a:t>
+            </a:r>
+            <a:r>
+              <a:rPr lang="en-US" sz="2400" b="1" dirty="0" err="1">
+                <a:latin typeface="Courier New" charset="0"/>
+              </a:rPr>
+              <a:t>esi</a:t>
+            </a:r>
+            <a:r>
+              <a:rPr lang="en-US" sz="2400" b="1" dirty="0">
+                <a:latin typeface="Courier New" charset="0"/>
+              </a:rPr>
+              <a:t>         ; Restore </a:t>
+            </a:r>
+            <a:r>
+              <a:rPr lang="en-US" sz="2400" b="1" dirty="0" err="1">
+                <a:latin typeface="Courier New" charset="0"/>
+              </a:rPr>
+              <a:t>callee</a:t>
+            </a:r>
+            <a:r>
+              <a:rPr lang="en-US" sz="2400" b="1" dirty="0">
+                <a:latin typeface="Courier New" charset="0"/>
+              </a:rPr>
+              <a:t>-saved ESI</a:t>
+            </a:r>
+          </a:p>
+          <a:p>
+            <a:pPr defTabSz="911225" eaLnBrk="1" hangingPunct="1">
+              <a:buFont typeface="Wingdings" charset="2"/>
+              <a:buNone/>
+              <a:tabLst>
+                <a:tab pos="623888" algn="l"/>
+              </a:tabLst>
+            </a:pPr>
+            <a:r>
+              <a:rPr lang="en-US" sz="2400" b="1" dirty="0">
+                <a:latin typeface="Courier New" charset="0"/>
+              </a:rPr>
+              <a:t>   move </a:t>
+            </a:r>
+            <a:r>
+              <a:rPr lang="en-US" sz="2400" b="1" dirty="0" err="1">
+                <a:latin typeface="Courier New" charset="0"/>
+              </a:rPr>
+              <a:t>esp,ebp</a:t>
+            </a:r>
+            <a:r>
+              <a:rPr lang="en-US" sz="2400" b="1" dirty="0">
+                <a:latin typeface="Courier New" charset="0"/>
+              </a:rPr>
+              <a:t>    ; </a:t>
+            </a:r>
+            <a:r>
+              <a:rPr lang="en-US" sz="2400" b="1" dirty="0" err="1">
+                <a:latin typeface="Courier New" charset="0"/>
+              </a:rPr>
+              <a:t>Deallocate</a:t>
+            </a:r>
+            <a:r>
+              <a:rPr lang="en-US" sz="2400" b="1" dirty="0">
+                <a:latin typeface="Courier New" charset="0"/>
+              </a:rPr>
+              <a:t> stack frame</a:t>
+            </a:r>
+          </a:p>
+          <a:p>
+            <a:pPr defTabSz="911225" eaLnBrk="1" hangingPunct="1">
+              <a:buFont typeface="Wingdings" charset="2"/>
+              <a:buNone/>
+              <a:tabLst>
+                <a:tab pos="623888" algn="l"/>
+              </a:tabLst>
+            </a:pPr>
+            <a:r>
+              <a:rPr lang="en-US" sz="2400" b="1" dirty="0">
+                <a:latin typeface="Courier New" charset="0"/>
+              </a:rPr>
+              <a:t>   pop </a:t>
+            </a:r>
+            <a:r>
+              <a:rPr lang="en-US" sz="2400" b="1" dirty="0" err="1">
+                <a:latin typeface="Courier New" charset="0"/>
+              </a:rPr>
+              <a:t>ebp</a:t>
+            </a:r>
+            <a:r>
+              <a:rPr lang="en-US" sz="2400" b="1" dirty="0">
+                <a:latin typeface="Courier New" charset="0"/>
+              </a:rPr>
+              <a:t>         ; Restore caller’s EBP</a:t>
+            </a:r>
+          </a:p>
+          <a:p>
+            <a:pPr defTabSz="911225" eaLnBrk="1" hangingPunct="1">
+              <a:buFont typeface="Wingdings" charset="2"/>
+              <a:buNone/>
+              <a:tabLst>
+                <a:tab pos="623888" algn="l"/>
+              </a:tabLst>
+            </a:pPr>
+            <a:r>
+              <a:rPr lang="en-US" sz="2400" b="1" dirty="0">
+                <a:latin typeface="Courier New" charset="0"/>
+              </a:rPr>
+              <a:t>   ret             ; return</a:t>
+            </a:r>
+          </a:p>
+          <a:p>
+            <a:pPr defTabSz="911225" eaLnBrk="1" hangingPunct="1">
+              <a:buFont typeface="Wingdings" charset="2"/>
+              <a:buNone/>
+              <a:tabLst>
+                <a:tab pos="623888" algn="l"/>
+              </a:tabLst>
+            </a:pPr>
+            <a:endParaRPr lang="en-US" sz="2400" dirty="0">
+              <a:latin typeface="Courier New" charset="0"/>
+            </a:endParaRPr>
+          </a:p>
+        </p:txBody>
+      </p:sp>
+    </p:spTree>
+  </p:cSld>
+  <p:clrMapOvr>
+    <a:masterClrMapping/>
+  </p:clrMapOvr>
+  <p:transition xmlns:p14="http://schemas.microsoft.com/office/powerpoint/2010/main"/>
+  <p:timing>
+    <p:tnLst>
+      <p:par>
+        <p:cTn xmlns:p14="http://schemas.microsoft.com/office/powerpoint/2010/main" id="1" dur="indefinite" restart="never" nodeType="tmRoot"/>
+      </p:par>
+    </p:tnLst>
+  </p:timing>
+</p:sld>
+</file>
+
 <file path=ppt/slides/slide33.xml><?xml version="1.0" encoding="utf-8"?>
 <p:sld xmlns:a="http://schemas.openxmlformats.org/drawingml/2006/main" xmlns:r="http://schemas.openxmlformats.org/officeDocument/2006/relationships" xmlns:p="http://schemas.openxmlformats.org/presentationml/2006/main">
   <p:cSld>
@@ -22090,297 +22377,6 @@
       </p:grpSpPr>
       <p:sp>
         <p:nvSpPr>
-          <p:cNvPr id="79875" name="Rectangle 2"/>
-          <p:cNvSpPr>
-            <a:spLocks noGrp="1" noChangeArrowheads="1"/>
-          </p:cNvSpPr>
-          <p:nvPr>
-            <p:ph type="title"/>
-            <p:custDataLst>
-              <p:tags r:id="rId1"/>
-            </p:custDataLst>
-          </p:nvPr>
-        </p:nvSpPr>
-        <p:spPr>
-          <a:noFill/>
-        </p:spPr>
-        <p:txBody>
-          <a:bodyPr lIns="92075" tIns="46038" rIns="92075" bIns="46038" anchor="b"/>
-          <a:lstStyle/>
-          <a:p>
-            <a:pPr eaLnBrk="1" hangingPunct="1"/>
-            <a:r>
-              <a:rPr lang="en-US"/>
-              <a:t>Callee Stack Frame Cleanup</a:t>
-            </a:r>
-          </a:p>
-        </p:txBody>
-      </p:sp>
-      <p:sp>
-        <p:nvSpPr>
-          <p:cNvPr id="79874" name="Slide Number Placeholder 3"/>
-          <p:cNvSpPr>
-            <a:spLocks noGrp="1"/>
-          </p:cNvSpPr>
-          <p:nvPr>
-            <p:ph type="sldNum" sz="quarter" idx="12"/>
-          </p:nvPr>
-        </p:nvSpPr>
-        <p:spPr>
-          <a:noFill/>
-        </p:spPr>
-        <p:txBody>
-          <a:bodyPr/>
-          <a:lstStyle/>
-          <a:p>
-            <a:fld id="{91675DED-238E-C347-950D-CE3746447E34}" type="slidenum">
-              <a:rPr lang="en-US" smtClean="0">
-                <a:latin typeface="Lucida Sans" charset="0"/>
-                <a:ea typeface="Arial" charset="0"/>
-                <a:cs typeface="Arial" charset="0"/>
-              </a:rPr>
-              <a:pPr/>
-              <a:t>33</a:t>
-            </a:fld>
-            <a:endParaRPr lang="en-US" smtClean="0">
-              <a:latin typeface="Lucida Sans" charset="0"/>
-              <a:ea typeface="Arial" charset="0"/>
-              <a:cs typeface="Arial" charset="0"/>
-            </a:endParaRPr>
-          </a:p>
-        </p:txBody>
-      </p:sp>
-      <p:sp>
-        <p:nvSpPr>
-          <p:cNvPr id="79876" name="Rectangle 3"/>
-          <p:cNvSpPr>
-            <a:spLocks noGrp="1" noChangeArrowheads="1"/>
-          </p:cNvSpPr>
-          <p:nvPr>
-            <p:ph sz="quarter" idx="1"/>
-            <p:custDataLst>
-              <p:tags r:id="rId2"/>
-            </p:custDataLst>
-          </p:nvPr>
-        </p:nvSpPr>
-        <p:spPr>
-          <a:xfrm>
-            <a:off x="228600" y="1219200"/>
-            <a:ext cx="8686800" cy="4937760"/>
-          </a:xfrm>
-          <a:noFill/>
-        </p:spPr>
-        <p:txBody>
-          <a:bodyPr lIns="92075" tIns="46038" rIns="92075" bIns="46038"/>
-          <a:lstStyle/>
-          <a:p>
-            <a:pPr defTabSz="911225" eaLnBrk="1" hangingPunct="1">
-              <a:tabLst>
-                <a:tab pos="623888" algn="l"/>
-              </a:tabLst>
-            </a:pPr>
-            <a:r>
-              <a:rPr lang="en-US" sz="4000" b="1" dirty="0"/>
-              <a:t> </a:t>
-            </a:r>
-            <a:r>
-              <a:rPr lang="en-US" dirty="0"/>
-              <a:t>Epilogue code at end cleans up frame (mirror image of prologue):</a:t>
-            </a:r>
-            <a:endParaRPr lang="en-US" dirty="0">
-              <a:latin typeface="Courier New" charset="0"/>
-            </a:endParaRPr>
-          </a:p>
-          <a:p>
-            <a:pPr defTabSz="911225" eaLnBrk="1" hangingPunct="1">
-              <a:buFont typeface="Wingdings" charset="2"/>
-              <a:buNone/>
-              <a:tabLst>
-                <a:tab pos="623888" algn="l"/>
-              </a:tabLst>
-            </a:pPr>
-            <a:r>
-              <a:rPr lang="en-US" sz="2400" dirty="0">
-                <a:latin typeface="Courier New" charset="0"/>
-              </a:rPr>
-              <a:t>   </a:t>
-            </a:r>
-            <a:r>
-              <a:rPr lang="en-US" sz="2400" b="1" dirty="0">
-                <a:latin typeface="Courier New" charset="0"/>
-              </a:rPr>
-              <a:t>; Epilogue code at bottom of function</a:t>
-            </a:r>
-          </a:p>
-          <a:p>
-            <a:pPr defTabSz="911225" eaLnBrk="1" hangingPunct="1">
-              <a:buFont typeface="Wingdings" charset="2"/>
-              <a:buNone/>
-              <a:tabLst>
-                <a:tab pos="623888" algn="l"/>
-              </a:tabLst>
-            </a:pPr>
-            <a:r>
-              <a:rPr lang="en-US" sz="2400" b="1" dirty="0">
-                <a:latin typeface="Courier New" charset="0"/>
-              </a:rPr>
-              <a:t>   pop </a:t>
-            </a:r>
-            <a:r>
-              <a:rPr lang="en-US" sz="2400" b="1" dirty="0" err="1">
-                <a:latin typeface="Courier New" charset="0"/>
-              </a:rPr>
-              <a:t>esi</a:t>
-            </a:r>
-            <a:r>
-              <a:rPr lang="en-US" sz="2400" b="1" dirty="0">
-                <a:latin typeface="Courier New" charset="0"/>
-              </a:rPr>
-              <a:t>         ; Restore </a:t>
-            </a:r>
-            <a:r>
-              <a:rPr lang="en-US" sz="2400" b="1" dirty="0" err="1">
-                <a:latin typeface="Courier New" charset="0"/>
-              </a:rPr>
-              <a:t>callee</a:t>
-            </a:r>
-            <a:r>
-              <a:rPr lang="en-US" sz="2400" b="1" dirty="0">
-                <a:latin typeface="Courier New" charset="0"/>
-              </a:rPr>
-              <a:t>-saved ESI</a:t>
-            </a:r>
-          </a:p>
-          <a:p>
-            <a:pPr defTabSz="911225" eaLnBrk="1" hangingPunct="1">
-              <a:buFont typeface="Wingdings" charset="2"/>
-              <a:buNone/>
-              <a:tabLst>
-                <a:tab pos="623888" algn="l"/>
-              </a:tabLst>
-            </a:pPr>
-            <a:r>
-              <a:rPr lang="en-US" sz="2400" b="1" dirty="0">
-                <a:latin typeface="Courier New" charset="0"/>
-              </a:rPr>
-              <a:t>   move </a:t>
-            </a:r>
-            <a:r>
-              <a:rPr lang="en-US" sz="2400" b="1" dirty="0" err="1">
-                <a:latin typeface="Courier New" charset="0"/>
-              </a:rPr>
-              <a:t>esp,ebp</a:t>
-            </a:r>
-            <a:r>
-              <a:rPr lang="en-US" sz="2400" b="1" dirty="0">
-                <a:latin typeface="Courier New" charset="0"/>
-              </a:rPr>
-              <a:t>    ; </a:t>
-            </a:r>
-            <a:r>
-              <a:rPr lang="en-US" sz="2400" b="1" dirty="0" err="1">
-                <a:latin typeface="Courier New" charset="0"/>
-              </a:rPr>
-              <a:t>Deallocate</a:t>
-            </a:r>
-            <a:r>
-              <a:rPr lang="en-US" sz="2400" b="1" dirty="0">
-                <a:latin typeface="Courier New" charset="0"/>
-              </a:rPr>
-              <a:t> stack frame</a:t>
-            </a:r>
-          </a:p>
-          <a:p>
-            <a:pPr defTabSz="911225" eaLnBrk="1" hangingPunct="1">
-              <a:buFont typeface="Wingdings" charset="2"/>
-              <a:buNone/>
-              <a:tabLst>
-                <a:tab pos="623888" algn="l"/>
-              </a:tabLst>
-            </a:pPr>
-            <a:r>
-              <a:rPr lang="en-US" sz="2400" b="1" dirty="0">
-                <a:latin typeface="Courier New" charset="0"/>
-              </a:rPr>
-              <a:t>   pop </a:t>
-            </a:r>
-            <a:r>
-              <a:rPr lang="en-US" sz="2400" b="1" dirty="0" err="1">
-                <a:latin typeface="Courier New" charset="0"/>
-              </a:rPr>
-              <a:t>ebp</a:t>
-            </a:r>
-            <a:r>
-              <a:rPr lang="en-US" sz="2400" b="1" dirty="0">
-                <a:latin typeface="Courier New" charset="0"/>
-              </a:rPr>
-              <a:t>         ; Restore caller’s EBP</a:t>
-            </a:r>
-          </a:p>
-          <a:p>
-            <a:pPr defTabSz="911225" eaLnBrk="1" hangingPunct="1">
-              <a:buFont typeface="Wingdings" charset="2"/>
-              <a:buNone/>
-              <a:tabLst>
-                <a:tab pos="623888" algn="l"/>
-              </a:tabLst>
-            </a:pPr>
-            <a:r>
-              <a:rPr lang="en-US" sz="2400" b="1" dirty="0">
-                <a:latin typeface="Courier New" charset="0"/>
-              </a:rPr>
-              <a:t>   ret             ; return</a:t>
-            </a:r>
-          </a:p>
-          <a:p>
-            <a:pPr defTabSz="911225" eaLnBrk="1" hangingPunct="1">
-              <a:buFont typeface="Wingdings" charset="2"/>
-              <a:buNone/>
-              <a:tabLst>
-                <a:tab pos="623888" algn="l"/>
-              </a:tabLst>
-            </a:pPr>
-            <a:endParaRPr lang="en-US" sz="2400" dirty="0">
-              <a:latin typeface="Courier New" charset="0"/>
-            </a:endParaRPr>
-          </a:p>
-        </p:txBody>
-      </p:sp>
-    </p:spTree>
-  </p:cSld>
-  <p:clrMapOvr>
-    <a:masterClrMapping/>
-  </p:clrMapOvr>
-  <p:transition xmlns:p14="http://schemas.microsoft.com/office/powerpoint/2010/main"/>
-  <p:timing>
-    <p:tnLst>
-      <p:par>
-        <p:cTn xmlns:p14="http://schemas.microsoft.com/office/powerpoint/2010/main" id="1" dur="indefinite" restart="never" nodeType="tmRoot"/>
-      </p:par>
-    </p:tnLst>
-  </p:timing>
-</p:sld>
-</file>
-
-<file path=ppt/slides/slide34.xml><?xml version="1.0" encoding="utf-8"?>
-<p:sld xmlns:a="http://schemas.openxmlformats.org/drawingml/2006/main" xmlns:r="http://schemas.openxmlformats.org/officeDocument/2006/relationships" xmlns:p="http://schemas.openxmlformats.org/presentationml/2006/main">
-  <p:cSld>
-    <p:spTree>
-      <p:nvGrpSpPr>
-        <p:cNvPr id="1" name=""/>
-        <p:cNvGrpSpPr/>
-        <p:nvPr/>
-      </p:nvGrpSpPr>
-      <p:grpSpPr>
-        <a:xfrm>
-          <a:off x="0" y="0"/>
-          <a:ext cx="0" cy="0"/>
-          <a:chOff x="0" y="0"/>
-          <a:chExt cx="0" cy="0"/>
-        </a:xfrm>
-      </p:grpSpPr>
-      <p:sp>
-        <p:nvSpPr>
           <p:cNvPr id="81924" name="Rectangle 2"/>
           <p:cNvSpPr>
             <a:spLocks noGrp="1" noChangeArrowheads="1"/>
@@ -22469,7 +22465,7 @@
           <a:graphicData uri="http://schemas.openxmlformats.org/presentationml/2006/ole">
             <mc:AlternateContent xmlns:mc="http://schemas.openxmlformats.org/markup-compatibility/2006">
               <mc:Choice xmlns:v="urn:schemas-microsoft-com:vml" Requires="v">
-                <p:oleObj spid="_x0000_s81945" name="Visio" r:id="rId7" imgW="5197063" imgH="4054037" progId="">
+                <p:oleObj spid="_x0000_s81951" name="Visio" r:id="rId7" imgW="5197063" imgH="4054037" progId="">
                   <p:embed/>
                 </p:oleObj>
               </mc:Choice>
@@ -22572,6 +22568,181 @@
                 <a:cs typeface="Arial" charset="0"/>
               </a:rPr>
               <a:pPr/>
+              <a:t>33</a:t>
+            </a:fld>
+            <a:endParaRPr lang="en-US" smtClean="0">
+              <a:latin typeface="Lucida Sans" charset="0"/>
+              <a:ea typeface="Arial" charset="0"/>
+              <a:cs typeface="Arial" charset="0"/>
+            </a:endParaRPr>
+          </a:p>
+        </p:txBody>
+      </p:sp>
+    </p:spTree>
+  </p:cSld>
+  <p:clrMapOvr>
+    <a:masterClrMapping/>
+  </p:clrMapOvr>
+  <p:transition xmlns:p14="http://schemas.microsoft.com/office/powerpoint/2010/main"/>
+  <p:timing>
+    <p:tnLst>
+      <p:par>
+        <p:cTn xmlns:p14="http://schemas.microsoft.com/office/powerpoint/2010/main" id="1" dur="indefinite" restart="never" nodeType="tmRoot"/>
+      </p:par>
+    </p:tnLst>
+  </p:timing>
+</p:sld>
+</file>
+
+<file path=ppt/slides/slide34.xml><?xml version="1.0" encoding="utf-8"?>
+<p:sld xmlns:a="http://schemas.openxmlformats.org/drawingml/2006/main" xmlns:r="http://schemas.openxmlformats.org/officeDocument/2006/relationships" xmlns:p="http://schemas.openxmlformats.org/presentationml/2006/main">
+  <p:cSld>
+    <p:spTree>
+      <p:nvGrpSpPr>
+        <p:cNvPr id="1" name=""/>
+        <p:cNvGrpSpPr/>
+        <p:nvPr/>
+      </p:nvGrpSpPr>
+      <p:grpSpPr>
+        <a:xfrm>
+          <a:off x="0" y="0"/>
+          <a:ext cx="0" cy="0"/>
+          <a:chOff x="0" y="0"/>
+          <a:chExt cx="0" cy="0"/>
+        </a:xfrm>
+      </p:grpSpPr>
+      <p:sp>
+        <p:nvSpPr>
+          <p:cNvPr id="83971" name="Rectangle 2"/>
+          <p:cNvSpPr>
+            <a:spLocks noGrp="1" noChangeArrowheads="1"/>
+          </p:cNvSpPr>
+          <p:nvPr>
+            <p:ph type="title"/>
+            <p:custDataLst>
+              <p:tags r:id="rId1"/>
+            </p:custDataLst>
+          </p:nvPr>
+        </p:nvSpPr>
+        <p:spPr>
+          <a:noFill/>
+        </p:spPr>
+        <p:txBody>
+          <a:bodyPr lIns="92075" tIns="46038" rIns="92075" bIns="46038" anchor="b">
+            <a:normAutofit fontScale="90000"/>
+          </a:bodyPr>
+          <a:lstStyle/>
+          <a:p>
+            <a:pPr eaLnBrk="1" hangingPunct="1"/>
+            <a:r>
+              <a:rPr lang="en-US"/>
+              <a:t>Caller Stack Cleanup</a:t>
+            </a:r>
+          </a:p>
+        </p:txBody>
+      </p:sp>
+      <p:sp>
+        <p:nvSpPr>
+          <p:cNvPr id="83972" name="Rectangle 3"/>
+          <p:cNvSpPr>
+            <a:spLocks noGrp="1" noChangeArrowheads="1"/>
+          </p:cNvSpPr>
+          <p:nvPr>
+            <p:ph type="body" sz="half" idx="1"/>
+            <p:custDataLst>
+              <p:tags r:id="rId2"/>
+            </p:custDataLst>
+          </p:nvPr>
+        </p:nvSpPr>
+        <p:spPr>
+          <a:xfrm>
+            <a:off x="153988" y="1485900"/>
+            <a:ext cx="8251825" cy="2768600"/>
+          </a:xfrm>
+          <a:noFill/>
+        </p:spPr>
+        <p:txBody>
+          <a:bodyPr lIns="92075" tIns="46038" rIns="92075" bIns="46038"/>
+          <a:lstStyle/>
+          <a:p>
+            <a:pPr defTabSz="911225" eaLnBrk="1" hangingPunct="1">
+              <a:tabLst>
+                <a:tab pos="623888" algn="l"/>
+              </a:tabLst>
+            </a:pPr>
+            <a:r>
+              <a:rPr lang="en-US" sz="3600"/>
+              <a:t>After the return, caller has a little cleanup code:</a:t>
+            </a:r>
+          </a:p>
+          <a:p>
+            <a:pPr defTabSz="911225" eaLnBrk="1" hangingPunct="1">
+              <a:buFont typeface="Wingdings" charset="2"/>
+              <a:buNone/>
+              <a:tabLst>
+                <a:tab pos="623888" algn="l"/>
+              </a:tabLst>
+            </a:pPr>
+            <a:endParaRPr lang="en-US" sz="2400">
+              <a:latin typeface="Courier New" charset="0"/>
+            </a:endParaRPr>
+          </a:p>
+          <a:p>
+            <a:pPr defTabSz="911225" eaLnBrk="1" hangingPunct="1">
+              <a:buFont typeface="Wingdings" charset="2"/>
+              <a:buNone/>
+              <a:tabLst>
+                <a:tab pos="623888" algn="l"/>
+              </a:tabLst>
+            </a:pPr>
+            <a:r>
+              <a:rPr lang="en-US" sz="2000" b="1">
+                <a:latin typeface="Courier New" charset="0"/>
+              </a:rPr>
+              <a:t>   add esp,12   ; deallocate parameter space</a:t>
+            </a:r>
+          </a:p>
+          <a:p>
+            <a:pPr defTabSz="911225" eaLnBrk="1" hangingPunct="1">
+              <a:buFont typeface="Wingdings" charset="2"/>
+              <a:buNone/>
+              <a:tabLst>
+                <a:tab pos="623888" algn="l"/>
+              </a:tabLst>
+            </a:pPr>
+            <a:r>
+              <a:rPr lang="en-US" sz="2000" b="1">
+                <a:latin typeface="Courier New" charset="0"/>
+              </a:rPr>
+              <a:t>   pop edx      ; restore caller-saved register</a:t>
+            </a:r>
+          </a:p>
+        </p:txBody>
+      </p:sp>
+      <p:sp>
+        <p:nvSpPr>
+          <p:cNvPr id="83970" name="Slide Number Placeholder 4"/>
+          <p:cNvSpPr>
+            <a:spLocks noGrp="1"/>
+          </p:cNvSpPr>
+          <p:nvPr>
+            <p:ph type="sldNum" sz="quarter" idx="10"/>
+          </p:nvPr>
+        </p:nvSpPr>
+        <p:spPr>
+          <a:noFill/>
+        </p:spPr>
+        <p:txBody>
+          <a:bodyPr/>
+          <a:lstStyle/>
+          <a:p>
+            <a:fld id="{1EA656A9-F1B2-CF42-8746-766D008F1568}" type="slidenum">
+              <a:rPr lang="en-US" smtClean="0">
+                <a:latin typeface="Lucida Sans" charset="0"/>
+                <a:ea typeface="Arial" charset="0"/>
+                <a:cs typeface="Arial" charset="0"/>
+              </a:rPr>
+              <a:pPr/>
               <a:t>34</a:t>
             </a:fld>
             <a:endParaRPr lang="en-US" smtClean="0">
@@ -22617,152 +22788,152 @@
       </p:grpSpPr>
       <p:sp>
         <p:nvSpPr>
-          <p:cNvPr id="83971" name="Rectangle 2"/>
-          <p:cNvSpPr>
-            <a:spLocks noGrp="1" noChangeArrowheads="1"/>
+          <p:cNvPr id="2" name="Title 1"/>
+          <p:cNvSpPr>
+            <a:spLocks noGrp="1"/>
           </p:cNvSpPr>
           <p:nvPr>
             <p:ph type="title"/>
-            <p:custDataLst>
-              <p:tags r:id="rId1"/>
-            </p:custDataLst>
-          </p:nvPr>
-        </p:nvSpPr>
-        <p:spPr>
-          <a:noFill/>
-        </p:spPr>
-        <p:txBody>
-          <a:bodyPr lIns="92075" tIns="46038" rIns="92075" bIns="46038" anchor="b">
-            <a:normAutofit fontScale="90000"/>
-          </a:bodyPr>
-          <a:lstStyle/>
-          <a:p>
-            <a:pPr eaLnBrk="1" hangingPunct="1"/>
-            <a:r>
-              <a:rPr lang="en-US"/>
-              <a:t>Caller Stack Cleanup</a:t>
-            </a:r>
-          </a:p>
-        </p:txBody>
-      </p:sp>
-      <p:sp>
-        <p:nvSpPr>
-          <p:cNvPr id="83972" name="Rectangle 3"/>
-          <p:cNvSpPr>
-            <a:spLocks noGrp="1" noChangeArrowheads="1"/>
-          </p:cNvSpPr>
-          <p:nvPr>
-            <p:ph type="body" sz="half" idx="1"/>
-            <p:custDataLst>
-              <p:tags r:id="rId2"/>
-            </p:custDataLst>
-          </p:nvPr>
-        </p:nvSpPr>
-        <p:spPr>
-          <a:xfrm>
-            <a:off x="153988" y="1485900"/>
-            <a:ext cx="8251825" cy="2768600"/>
-          </a:xfrm>
-          <a:noFill/>
-        </p:spPr>
-        <p:txBody>
-          <a:bodyPr lIns="92075" tIns="46038" rIns="92075" bIns="46038"/>
-          <a:lstStyle/>
-          <a:p>
-            <a:pPr defTabSz="911225" eaLnBrk="1" hangingPunct="1">
+          </p:nvPr>
+        </p:nvSpPr>
+        <p:spPr/>
+        <p:txBody>
+          <a:bodyPr/>
+          <a:lstStyle/>
+          <a:p>
+            <a:r>
+              <a:rPr lang="en-US" dirty="0" smtClean="0"/>
+              <a:t>Today</a:t>
+            </a:r>
+            <a:endParaRPr lang="en-US" dirty="0"/>
+          </a:p>
+        </p:txBody>
+      </p:sp>
+      <p:sp>
+        <p:nvSpPr>
+          <p:cNvPr id="3" name="Slide Number Placeholder 2"/>
+          <p:cNvSpPr>
+            <a:spLocks noGrp="1"/>
+          </p:cNvSpPr>
+          <p:nvPr>
+            <p:ph type="sldNum" sz="quarter" idx="12"/>
+          </p:nvPr>
+        </p:nvSpPr>
+        <p:spPr/>
+        <p:txBody>
+          <a:bodyPr/>
+          <a:lstStyle/>
+          <a:p>
+            <a:pPr>
+              <a:defRPr/>
+            </a:pPr>
+            <a:fld id="{61A4DFCD-5940-BE48-B9EB-FEDA8D565177}" type="slidenum">
+              <a:rPr lang="en-US" smtClean="0"/>
+              <a:pPr>
+                <a:defRPr/>
+              </a:pPr>
+              <a:t>35</a:t>
+            </a:fld>
+            <a:endParaRPr lang="en-US"/>
+          </a:p>
+        </p:txBody>
+      </p:sp>
+      <p:sp>
+        <p:nvSpPr>
+          <p:cNvPr id="4" name="Content Placeholder 3"/>
+          <p:cNvSpPr>
+            <a:spLocks noGrp="1"/>
+          </p:cNvSpPr>
+          <p:nvPr>
+            <p:ph sz="quarter" idx="1"/>
+          </p:nvPr>
+        </p:nvSpPr>
+        <p:spPr/>
+        <p:txBody>
+          <a:bodyPr/>
+          <a:lstStyle/>
+          <a:p>
+            <a:r>
+              <a:rPr lang="en-US" dirty="0" smtClean="0"/>
+              <a:t>Finish covering x86 background</a:t>
+            </a:r>
+          </a:p>
+          <a:p>
+            <a:r>
+              <a:rPr lang="en-US" dirty="0" smtClean="0"/>
+              <a:t>Reading Assignment</a:t>
+            </a:r>
+          </a:p>
+          <a:p>
+            <a:pPr lvl="1"/>
+            <a:r>
+              <a:rPr lang="en-US" dirty="0" err="1" smtClean="0"/>
+              <a:t>Szor</a:t>
+            </a:r>
+            <a:r>
+              <a:rPr lang="en-US" dirty="0" smtClean="0"/>
+              <a:t>, Chapter 2 (if you haven’t already)</a:t>
+            </a:r>
+          </a:p>
+          <a:p>
+            <a:pPr lvl="1"/>
+            <a:r>
+              <a:rPr lang="en-US" dirty="0" smtClean="0"/>
+              <a:t>“Smashing the Stack for Fun and Profit”</a:t>
+            </a:r>
+            <a:endParaRPr lang="en-US" dirty="0"/>
+          </a:p>
+          <a:p>
+            <a:r>
+              <a:rPr lang="en-US" dirty="0" smtClean="0"/>
+              <a:t>We will cover some details of the PE file format</a:t>
+            </a:r>
+          </a:p>
+          <a:p>
+            <a:pPr lvl="1" defTabSz="911225">
               <a:tabLst>
                 <a:tab pos="623888" algn="l"/>
               </a:tabLst>
             </a:pPr>
             <a:r>
-              <a:rPr lang="en-US" sz="3600"/>
-              <a:t>After the return, caller has a little cleanup code:</a:t>
-            </a:r>
-          </a:p>
-          <a:p>
-            <a:pPr defTabSz="911225" eaLnBrk="1" hangingPunct="1">
-              <a:buFont typeface="Wingdings" charset="2"/>
-              <a:buNone/>
+              <a:rPr lang="en-US" sz="2500" dirty="0" err="1"/>
+              <a:t>Szor</a:t>
+            </a:r>
+            <a:r>
+              <a:rPr lang="en-US" sz="2500" dirty="0"/>
+              <a:t>, pp. 160-172, section 4.3.2.1, describes PE format</a:t>
+            </a:r>
+          </a:p>
+          <a:p>
+            <a:pPr lvl="1" defTabSz="911225">
               <a:tabLst>
                 <a:tab pos="623888" algn="l"/>
               </a:tabLst>
             </a:pPr>
-            <a:endParaRPr lang="en-US" sz="2400">
-              <a:latin typeface="Courier New" charset="0"/>
-            </a:endParaRPr>
-          </a:p>
-          <a:p>
-            <a:pPr defTabSz="911225" eaLnBrk="1" hangingPunct="1">
-              <a:buFont typeface="Wingdings" charset="2"/>
-              <a:buNone/>
-              <a:tabLst>
-                <a:tab pos="623888" algn="l"/>
-              </a:tabLst>
-            </a:pPr>
-            <a:r>
-              <a:rPr lang="en-US" sz="2000" b="1">
-                <a:latin typeface="Courier New" charset="0"/>
-              </a:rPr>
-              <a:t>   add esp,12   ; deallocate parameter space</a:t>
-            </a:r>
-          </a:p>
-          <a:p>
-            <a:pPr defTabSz="911225" eaLnBrk="1" hangingPunct="1">
-              <a:buFont typeface="Wingdings" charset="2"/>
-              <a:buNone/>
-              <a:tabLst>
-                <a:tab pos="623888" algn="l"/>
-              </a:tabLst>
-            </a:pPr>
-            <a:r>
-              <a:rPr lang="en-US" sz="2000" b="1">
-                <a:latin typeface="Courier New" charset="0"/>
-              </a:rPr>
-              <a:t>   pop edx      ; restore caller-saved register</a:t>
-            </a:r>
-          </a:p>
-        </p:txBody>
-      </p:sp>
-      <p:sp>
-        <p:nvSpPr>
-          <p:cNvPr id="83970" name="Slide Number Placeholder 4"/>
-          <p:cNvSpPr>
-            <a:spLocks noGrp="1"/>
-          </p:cNvSpPr>
-          <p:nvPr>
-            <p:ph type="sldNum" sz="quarter" idx="10"/>
-          </p:nvPr>
-        </p:nvSpPr>
-        <p:spPr>
-          <a:noFill/>
-        </p:spPr>
-        <p:txBody>
-          <a:bodyPr/>
-          <a:lstStyle/>
-          <a:p>
-            <a:fld id="{1EA656A9-F1B2-CF42-8746-766D008F1568}" type="slidenum">
-              <a:rPr lang="en-US" smtClean="0">
-                <a:latin typeface="Lucida Sans" charset="0"/>
-                <a:ea typeface="Arial" charset="0"/>
-                <a:cs typeface="Arial" charset="0"/>
-              </a:rPr>
-              <a:pPr/>
-              <a:t>35</a:t>
-            </a:fld>
-            <a:endParaRPr lang="en-US" smtClean="0">
-              <a:latin typeface="Lucida Sans" charset="0"/>
-              <a:ea typeface="Arial" charset="0"/>
-              <a:cs typeface="Arial" charset="0"/>
-            </a:endParaRPr>
+            <a:r>
+              <a:rPr lang="en-US" sz="2500" dirty="0"/>
+              <a:t>Pay special attention to pp. 163-165, where the fields of interest to virus creators are discussed</a:t>
+            </a:r>
+          </a:p>
+          <a:p>
+            <a:endParaRPr lang="en-US" dirty="0" smtClean="0"/>
+          </a:p>
+          <a:p>
+            <a:pPr lvl="1"/>
+            <a:endParaRPr lang="en-US" dirty="0" smtClean="0"/>
           </a:p>
         </p:txBody>
       </p:sp>
     </p:spTree>
+    <p:extLst>
+      <p:ext uri="{BB962C8B-B14F-4D97-AF65-F5344CB8AC3E}">
+        <p14:creationId xmlns:p14="http://schemas.microsoft.com/office/powerpoint/2010/main" val="4087111890"/>
+      </p:ext>
+    </p:extLst>
   </p:cSld>
   <p:clrMapOvr>
     <a:masterClrMapping/>
   </p:clrMapOvr>
-  <p:transition xmlns:p14="http://schemas.microsoft.com/office/powerpoint/2010/main"/>
   <p:timing>
     <p:tnLst>
       <p:par>
@@ -22880,7 +23051,7 @@
           <a:graphicData uri="http://schemas.openxmlformats.org/presentationml/2006/ole">
             <mc:AlternateContent xmlns:mc="http://schemas.openxmlformats.org/markup-compatibility/2006">
               <mc:Choice xmlns:v="urn:schemas-microsoft-com:vml" Requires="v">
-                <p:oleObj spid="_x0000_s86041" name="Visio" r:id="rId7" imgW="5124298" imgH="3916375" progId="">
+                <p:oleObj spid="_x0000_s86047" name="Visio" r:id="rId7" imgW="5124298" imgH="3916375" progId="">
                   <p:embed/>
                 </p:oleObj>
               </mc:Choice>
@@ -23640,15 +23811,70 @@
           <a:p>
             <a:pPr eaLnBrk="1" hangingPunct="1"/>
             <a:r>
-              <a:rPr lang="en-US"/>
-              <a:t>Eight 32-bit general registers: EAX, EBX, ECX, EDX, ESI, EDI, ESP (stack pointer), EBP (base pointer, a.k.a. frame pointer)</a:t>
+              <a:rPr lang="en-US" dirty="0"/>
+              <a:t>Eight 32-bit general registers: </a:t>
+            </a:r>
+            <a:endParaRPr lang="en-US" dirty="0" smtClean="0"/>
+          </a:p>
+          <a:p>
+            <a:pPr lvl="1"/>
+            <a:r>
+              <a:rPr lang="en-US" dirty="0" smtClean="0"/>
+              <a:t>EAX</a:t>
+            </a:r>
+            <a:r>
+              <a:rPr lang="en-US" dirty="0"/>
+              <a:t>, EBX, ECX, EDX, ESI, EDI, </a:t>
+            </a:r>
+            <a:endParaRPr lang="en-US" dirty="0" smtClean="0"/>
+          </a:p>
+          <a:p>
+            <a:pPr lvl="1"/>
+            <a:r>
+              <a:rPr lang="en-US" dirty="0" smtClean="0"/>
+              <a:t>ESP </a:t>
+            </a:r>
+            <a:r>
+              <a:rPr lang="en-US" dirty="0"/>
+              <a:t>(stack pointer)</a:t>
+            </a:r>
+            <a:r>
+              <a:rPr lang="en-US" dirty="0" smtClean="0"/>
+              <a:t>,</a:t>
+            </a:r>
+          </a:p>
+          <a:p>
+            <a:pPr lvl="1"/>
+            <a:r>
+              <a:rPr lang="en-US" dirty="0" smtClean="0"/>
+              <a:t>EBP </a:t>
+            </a:r>
+            <a:r>
+              <a:rPr lang="en-US" dirty="0"/>
+              <a:t>(base pointer, a.k.a. frame pointer)</a:t>
             </a:r>
           </a:p>
           <a:p>
             <a:pPr eaLnBrk="1" hangingPunct="1"/>
             <a:r>
-              <a:rPr lang="en-US"/>
-              <a:t>Names are not case-sensitive and are usually lower-case in assembly code (e.g. eax, ecx)</a:t>
+              <a:rPr lang="en-US" dirty="0"/>
+              <a:t>Names are not case-sensitive and are usually lower-case in assembly code (e.g. </a:t>
+            </a:r>
+            <a:r>
+              <a:rPr lang="en-US" dirty="0" err="1"/>
+              <a:t>eax</a:t>
+            </a:r>
+            <a:r>
+              <a:rPr lang="en-US" dirty="0"/>
+              <a:t>, </a:t>
+            </a:r>
+            <a:r>
+              <a:rPr lang="en-US" dirty="0" err="1"/>
+              <a:t>ecx</a:t>
+            </a:r>
+            <a:r>
+              <a:rPr lang="en-US" dirty="0"/>
+              <a:t>)</a:t>
             </a:r>
           </a:p>
         </p:txBody>
@@ -23891,6 +24117,13 @@
   <p:clrMapOvr>
     <a:masterClrMapping/>
   </p:clrMapOvr>
+  <p:timing>
+    <p:tnLst>
+      <p:par>
+        <p:cTn xmlns:p14="http://schemas.microsoft.com/office/powerpoint/2010/main" id="1" dur="indefinite" restart="never" nodeType="tmRoot"/>
+      </p:par>
+    </p:tnLst>
+  </p:timing>
 </p:sld>
 </file>
 
@@ -24116,6 +24349,13 @@
   <p:clrMapOvr>
     <a:masterClrMapping/>
   </p:clrMapOvr>
+  <p:timing>
+    <p:tnLst>
+      <p:par>
+        <p:cTn xmlns:p14="http://schemas.microsoft.com/office/powerpoint/2010/main" id="1" dur="indefinite" restart="never" nodeType="tmRoot"/>
+      </p:par>
+    </p:tnLst>
+  </p:timing>
 </p:sld>
 </file>
 
@@ -24238,7 +24478,7 @@
           <a:graphicData uri="http://schemas.openxmlformats.org/presentationml/2006/ole">
             <mc:AlternateContent xmlns:mc="http://schemas.openxmlformats.org/markup-compatibility/2006">
               <mc:Choice xmlns:v="urn:schemas-microsoft-com:vml" Requires="v">
-                <p:oleObj spid="_x0000_s94233" name="Visio" r:id="rId7" imgW="6762100" imgH="5562698" progId="">
+                <p:oleObj spid="_x0000_s94239" name="Visio" r:id="rId7" imgW="6762100" imgH="5562698" progId="">
                   <p:embed/>
                 </p:oleObj>
               </mc:Choice>
@@ -24706,7 +24946,7 @@
           <a:graphicData uri="http://schemas.openxmlformats.org/presentationml/2006/ole">
             <mc:AlternateContent xmlns:mc="http://schemas.openxmlformats.org/markup-compatibility/2006">
               <mc:Choice xmlns:v="urn:schemas-microsoft-com:vml" Requires="v">
-                <p:oleObj spid="_x0000_s98330" name="Visio" r:id="rId7" imgW="5403732" imgH="6197941" progId="">
+                <p:oleObj spid="_x0000_s98336" name="Visio" r:id="rId7" imgW="5403732" imgH="6197941" progId="">
                   <p:embed/>
                 </p:oleObj>
               </mc:Choice>
@@ -24989,7 +25229,7 @@
 </file>
 
 <file path=ppt/slides/slide46.xml><?xml version="1.0" encoding="utf-8"?>
-<p:sld xmlns:a="http://schemas.openxmlformats.org/drawingml/2006/main" xmlns:r="http://schemas.openxmlformats.org/officeDocument/2006/relationships" xmlns:p="http://schemas.openxmlformats.org/presentationml/2006/main">
+<p:sld xmlns:a="http://schemas.openxmlformats.org/drawingml/2006/main" xmlns:r="http://schemas.openxmlformats.org/officeDocument/2006/relationships" xmlns:p="http://schemas.openxmlformats.org/presentationml/2006/main" show="0">
   <p:cSld>
     <p:spTree>
       <p:nvGrpSpPr>
@@ -25100,6 +25340,21 @@
   <p:clrMapOvr>
     <a:masterClrMapping/>
   </p:clrMapOvr>
+  <mc:AlternateContent xmlns:mc="http://schemas.openxmlformats.org/markup-compatibility/2006">
+    <mc:Choice xmlns:p14="http://schemas.microsoft.com/office/powerpoint/2010/main" Requires="p14">
+      <p:transition spd="slow" p14:dur="2000"/>
+    </mc:Choice>
+    <mc:Fallback>
+      <p:transition xmlns:p14="http://schemas.microsoft.com/office/powerpoint/2010/main" spd="slow"/>
+    </mc:Fallback>
+  </mc:AlternateContent>
+  <p:timing>
+    <p:tnLst>
+      <p:par>
+        <p:cTn xmlns:p14="http://schemas.microsoft.com/office/powerpoint/2010/main" id="1" dur="indefinite" restart="never" nodeType="tmRoot"/>
+      </p:par>
+    </p:tnLst>
+  </p:timing>
 </p:sld>
 </file>
 
@@ -25801,7 +26056,7 @@
           <a:graphicData uri="http://schemas.openxmlformats.org/presentationml/2006/ole">
             <mc:AlternateContent xmlns:mc="http://schemas.openxmlformats.org/markup-compatibility/2006">
               <mc:Choice xmlns:v="urn:schemas-microsoft-com:vml" Requires="v">
-                <p:oleObj spid="_x0000_s24601" name="VISIO" r:id="rId7" imgW="5520960" imgH="4492440" progId="">
+                <p:oleObj spid="_x0000_s24607" name="VISIO" r:id="rId7" imgW="5520960" imgH="4492440" progId="">
                   <p:embed/>
                 </p:oleObj>
               </mc:Choice>
@@ -27755,7 +28010,7 @@
           <a:graphicData uri="http://schemas.openxmlformats.org/presentationml/2006/ole">
             <mc:AlternateContent xmlns:mc="http://schemas.openxmlformats.org/markup-compatibility/2006">
               <mc:Choice xmlns:v="urn:schemas-microsoft-com:vml" Requires="v">
-                <p:oleObj spid="_x0000_s26649" name="VISIO" r:id="rId7" imgW="5691960" imgH="3926880" progId="">
+                <p:oleObj spid="_x0000_s26655" name="VISIO" r:id="rId7" imgW="5691960" imgH="3926880" progId="">
                   <p:embed/>
                 </p:oleObj>
               </mc:Choice>

--- a/assets/courses/malware/spring2017/slides/week02/x86.pptx
+++ b/assets/courses/malware/spring2017/slides/week02/x86.pptx
@@ -16789,7 +16789,7 @@
           <a:graphicData uri="http://schemas.openxmlformats.org/presentationml/2006/ole">
             <mc:AlternateContent xmlns:mc="http://schemas.openxmlformats.org/markup-compatibility/2006">
               <mc:Choice xmlns:v="urn:schemas-microsoft-com:vml" Requires="v">
-                <p:oleObj spid="_x0000_s38943" name="Visio" r:id="rId7" imgW="2898648" imgH="3802075" progId="">
+                <p:oleObj spid="_x0000_s38945" name="Visio" r:id="rId7" imgW="2898648" imgH="3802075" progId="">
                   <p:embed/>
                 </p:oleObj>
               </mc:Choice>
@@ -17022,7 +17022,7 @@
           <a:graphicData uri="http://schemas.openxmlformats.org/presentationml/2006/ole">
             <mc:AlternateContent xmlns:mc="http://schemas.openxmlformats.org/markup-compatibility/2006">
               <mc:Choice xmlns:v="urn:schemas-microsoft-com:vml" Requires="v">
-                <p:oleObj spid="_x0000_s40991" name="Visio" r:id="rId7" imgW="2898648" imgH="4030675" progId="">
+                <p:oleObj spid="_x0000_s40993" name="Visio" r:id="rId7" imgW="2898648" imgH="4030675" progId="">
                   <p:embed/>
                 </p:oleObj>
               </mc:Choice>
@@ -17255,7 +17255,7 @@
           <a:graphicData uri="http://schemas.openxmlformats.org/presentationml/2006/ole">
             <mc:AlternateContent xmlns:mc="http://schemas.openxmlformats.org/markup-compatibility/2006">
               <mc:Choice xmlns:v="urn:schemas-microsoft-com:vml" Requires="v">
-                <p:oleObj spid="_x0000_s43039" name="Visio" r:id="rId7" imgW="2898648" imgH="4259275" progId="">
+                <p:oleObj spid="_x0000_s43041" name="Visio" r:id="rId7" imgW="2898648" imgH="4259275" progId="">
                   <p:embed/>
                 </p:oleObj>
               </mc:Choice>
@@ -17488,7 +17488,7 @@
           <a:graphicData uri="http://schemas.openxmlformats.org/presentationml/2006/ole">
             <mc:AlternateContent xmlns:mc="http://schemas.openxmlformats.org/markup-compatibility/2006">
               <mc:Choice xmlns:v="urn:schemas-microsoft-com:vml" Requires="v">
-                <p:oleObj spid="_x0000_s45087" name="Visio" r:id="rId7" imgW="3127248" imgH="4373575" progId="">
+                <p:oleObj spid="_x0000_s45089" name="Visio" r:id="rId7" imgW="3127248" imgH="4373575" progId="">
                   <p:embed/>
                 </p:oleObj>
               </mc:Choice>
@@ -18943,7 +18943,7 @@
           <a:graphicData uri="http://schemas.openxmlformats.org/presentationml/2006/ole">
             <mc:AlternateContent xmlns:mc="http://schemas.openxmlformats.org/markup-compatibility/2006">
               <mc:Choice xmlns:v="urn:schemas-microsoft-com:vml" Requires="v">
-                <p:oleObj spid="_x0000_s55327" name="Visio" r:id="rId7" imgW="4146499" imgH="3459175" progId="">
+                <p:oleObj spid="_x0000_s55329" name="Visio" r:id="rId7" imgW="4146499" imgH="3459175" progId="">
                   <p:embed/>
                 </p:oleObj>
               </mc:Choice>
@@ -19185,7 +19185,7 @@
           <a:graphicData uri="http://schemas.openxmlformats.org/presentationml/2006/ole">
             <mc:AlternateContent xmlns:mc="http://schemas.openxmlformats.org/markup-compatibility/2006">
               <mc:Choice xmlns:v="urn:schemas-microsoft-com:vml" Requires="v">
-                <p:oleObj spid="_x0000_s57375" name="Visio" r:id="rId7" imgW="4146499" imgH="3459175" progId="">
+                <p:oleObj spid="_x0000_s57377" name="Visio" r:id="rId7" imgW="4146499" imgH="3459175" progId="">
                   <p:embed/>
                 </p:oleObj>
               </mc:Choice>
@@ -20120,7 +20120,7 @@
           <a:graphicData uri="http://schemas.openxmlformats.org/presentationml/2006/ole">
             <mc:AlternateContent xmlns:mc="http://schemas.openxmlformats.org/markup-compatibility/2006">
               <mc:Choice xmlns:v="urn:schemas-microsoft-com:vml" Requires="v">
-                <p:oleObj spid="_x0000_s65567" name="Visio" r:id="rId7" imgW="3917899" imgH="4144975" progId="">
+                <p:oleObj spid="_x0000_s65569" name="Visio" r:id="rId7" imgW="3917899" imgH="4144975" progId="">
                   <p:embed/>
                 </p:oleObj>
               </mc:Choice>
@@ -21160,7 +21160,7 @@
           <a:graphicData uri="http://schemas.openxmlformats.org/presentationml/2006/ole">
             <mc:AlternateContent xmlns:mc="http://schemas.openxmlformats.org/markup-compatibility/2006">
               <mc:Choice xmlns:v="urn:schemas-microsoft-com:vml" Requires="v">
-                <p:oleObj spid="_x0000_s73759" name="Visio" r:id="rId7" imgW="5124298" imgH="3916375" progId="">
+                <p:oleObj spid="_x0000_s73761" name="Visio" r:id="rId7" imgW="5124298" imgH="3916375" progId="">
                   <p:embed/>
                 </p:oleObj>
               </mc:Choice>
@@ -21904,7 +21904,7 @@
           <a:graphicData uri="http://schemas.openxmlformats.org/presentationml/2006/ole">
             <mc:AlternateContent xmlns:mc="http://schemas.openxmlformats.org/markup-compatibility/2006">
               <mc:Choice xmlns:v="urn:schemas-microsoft-com:vml" Requires="v">
-                <p:oleObj spid="_x0000_s77856" name="Visio" r:id="rId7" imgW="5197063" imgH="5145417" progId="">
+                <p:oleObj spid="_x0000_s77858" name="Visio" r:id="rId7" imgW="5197063" imgH="5145417" progId="">
                   <p:embed/>
                 </p:oleObj>
               </mc:Choice>
@@ -22465,7 +22465,7 @@
           <a:graphicData uri="http://schemas.openxmlformats.org/presentationml/2006/ole">
             <mc:AlternateContent xmlns:mc="http://schemas.openxmlformats.org/markup-compatibility/2006">
               <mc:Choice xmlns:v="urn:schemas-microsoft-com:vml" Requires="v">
-                <p:oleObj spid="_x0000_s81951" name="Visio" r:id="rId7" imgW="5197063" imgH="4054037" progId="">
+                <p:oleObj spid="_x0000_s81953" name="Visio" r:id="rId7" imgW="5197063" imgH="4054037" progId="">
                   <p:embed/>
                 </p:oleObj>
               </mc:Choice>
@@ -23051,7 +23051,7 @@
           <a:graphicData uri="http://schemas.openxmlformats.org/presentationml/2006/ole">
             <mc:AlternateContent xmlns:mc="http://schemas.openxmlformats.org/markup-compatibility/2006">
               <mc:Choice xmlns:v="urn:schemas-microsoft-com:vml" Requires="v">
-                <p:oleObj spid="_x0000_s86047" name="Visio" r:id="rId7" imgW="5124298" imgH="3916375" progId="">
+                <p:oleObj spid="_x0000_s86049" name="Visio" r:id="rId7" imgW="5124298" imgH="3916375" progId="">
                   <p:embed/>
                 </p:oleObj>
               </mc:Choice>
@@ -23442,30 +23442,13 @@
             </a:pPr>
             <a:r>
               <a:rPr lang="en-US" sz="2800" dirty="0"/>
-              <a:t>We saw an example with buffer overflows</a:t>
-            </a:r>
-          </a:p>
-          <a:p>
-            <a:pPr defTabSz="911225" eaLnBrk="1" hangingPunct="1">
-              <a:tabLst>
-                <a:tab pos="623888" algn="l"/>
-              </a:tabLst>
-            </a:pPr>
-            <a:r>
-              <a:rPr lang="en-US" sz="2800" smtClean="0"/>
-              <a:t>E.g</a:t>
+              <a:t>We saw an example with buffer </a:t>
             </a:r>
             <a:r>
               <a:rPr lang="en-US" sz="2800" dirty="0" smtClean="0"/>
-              <a:t>.,  </a:t>
-            </a:r>
-            <a:r>
-              <a:rPr lang="en-US" sz="2800" dirty="0"/>
-              <a:t>“Tricky Jump” document on web page for another virus technique</a:t>
-            </a:r>
-            <a:endParaRPr lang="en-US" sz="1800" dirty="0">
-              <a:latin typeface="Courier New" charset="0"/>
-            </a:endParaRPr>
+              <a:t>overflows</a:t>
+            </a:r>
+            <a:endParaRPr lang="en-US" sz="2800" dirty="0"/>
           </a:p>
         </p:txBody>
       </p:sp>
@@ -24478,7 +24461,7 @@
           <a:graphicData uri="http://schemas.openxmlformats.org/presentationml/2006/ole">
             <mc:AlternateContent xmlns:mc="http://schemas.openxmlformats.org/markup-compatibility/2006">
               <mc:Choice xmlns:v="urn:schemas-microsoft-com:vml" Requires="v">
-                <p:oleObj spid="_x0000_s94239" name="Visio" r:id="rId7" imgW="6762100" imgH="5562698" progId="">
+                <p:oleObj spid="_x0000_s94241" name="Visio" r:id="rId7" imgW="6762100" imgH="5562698" progId="">
                   <p:embed/>
                 </p:oleObj>
               </mc:Choice>
@@ -24946,7 +24929,7 @@
           <a:graphicData uri="http://schemas.openxmlformats.org/presentationml/2006/ole">
             <mc:AlternateContent xmlns:mc="http://schemas.openxmlformats.org/markup-compatibility/2006">
               <mc:Choice xmlns:v="urn:schemas-microsoft-com:vml" Requires="v">
-                <p:oleObj spid="_x0000_s98336" name="Visio" r:id="rId7" imgW="5403732" imgH="6197941" progId="">
+                <p:oleObj spid="_x0000_s98338" name="Visio" r:id="rId7" imgW="5403732" imgH="6197941" progId="">
                   <p:embed/>
                 </p:oleObj>
               </mc:Choice>
@@ -26056,7 +26039,7 @@
           <a:graphicData uri="http://schemas.openxmlformats.org/presentationml/2006/ole">
             <mc:AlternateContent xmlns:mc="http://schemas.openxmlformats.org/markup-compatibility/2006">
               <mc:Choice xmlns:v="urn:schemas-microsoft-com:vml" Requires="v">
-                <p:oleObj spid="_x0000_s24607" name="VISIO" r:id="rId7" imgW="5520960" imgH="4492440" progId="">
+                <p:oleObj spid="_x0000_s24609" name="VISIO" r:id="rId7" imgW="5520960" imgH="4492440" progId="">
                   <p:embed/>
                 </p:oleObj>
               </mc:Choice>
@@ -28010,7 +27993,7 @@
           <a:graphicData uri="http://schemas.openxmlformats.org/presentationml/2006/ole">
             <mc:AlternateContent xmlns:mc="http://schemas.openxmlformats.org/markup-compatibility/2006">
               <mc:Choice xmlns:v="urn:schemas-microsoft-com:vml" Requires="v">
-                <p:oleObj spid="_x0000_s26655" name="VISIO" r:id="rId7" imgW="5691960" imgH="3926880" progId="">
+                <p:oleObj spid="_x0000_s26657" name="VISIO" r:id="rId7" imgW="5691960" imgH="3926880" progId="">
                   <p:embed/>
                 </p:oleObj>
               </mc:Choice>
